--- a/18-NLP.pptx
+++ b/18-NLP.pptx
@@ -5,7 +5,7 @@
     <p:sldMasterId id="2147483659" r:id="rId1"/>
   </p:sldMasterIdLst>
   <p:notesMasterIdLst>
-    <p:notesMasterId r:id="rId24"/>
+    <p:notesMasterId r:id="rId23"/>
   </p:notesMasterIdLst>
   <p:sldIdLst>
     <p:sldId id="256" r:id="rId2"/>
@@ -21,15 +21,14 @@
     <p:sldId id="266" r:id="rId12"/>
     <p:sldId id="267" r:id="rId13"/>
     <p:sldId id="268" r:id="rId14"/>
-    <p:sldId id="269" r:id="rId15"/>
-    <p:sldId id="270" r:id="rId16"/>
-    <p:sldId id="271" r:id="rId17"/>
-    <p:sldId id="272" r:id="rId18"/>
-    <p:sldId id="273" r:id="rId19"/>
-    <p:sldId id="274" r:id="rId20"/>
-    <p:sldId id="275" r:id="rId21"/>
-    <p:sldId id="276" r:id="rId22"/>
-    <p:sldId id="277" r:id="rId23"/>
+    <p:sldId id="270" r:id="rId15"/>
+    <p:sldId id="271" r:id="rId16"/>
+    <p:sldId id="272" r:id="rId17"/>
+    <p:sldId id="273" r:id="rId18"/>
+    <p:sldId id="274" r:id="rId19"/>
+    <p:sldId id="275" r:id="rId20"/>
+    <p:sldId id="276" r:id="rId21"/>
+    <p:sldId id="277" r:id="rId22"/>
   </p:sldIdLst>
   <p:sldSz cx="9144000" cy="5143500" type="screen16x9"/>
   <p:notesSz cx="6858000" cy="9144000"/>
@@ -262,6 +261,11 @@
       </a:defRPr>
     </a:lvl9pPr>
   </p:defaultTextStyle>
+  <p:extLst>
+    <p:ext uri="{EFAFB233-063F-42B5-8137-9DF3F51BA10A}">
+      <p15:sldGuideLst xmlns:p15="http://schemas.microsoft.com/office/powerpoint/2012/main"/>
+    </p:ext>
+  </p:extLst>
 </p:presentation>
 </file>
 
@@ -1045,7 +1049,7 @@
         </p:nvSpPr>
         <p:spPr>
           <a:xfrm>
-            <a:off x="381300" y="685800"/>
+            <a:off x="381000" y="685800"/>
             <a:ext cx="6096000" cy="3429000"/>
           </a:xfrm>
           <a:custGeom>
@@ -1149,7 +1153,7 @@
         </p:nvSpPr>
         <p:spPr>
           <a:xfrm>
-            <a:off x="381300" y="685800"/>
+            <a:off x="381000" y="685800"/>
             <a:ext cx="6096000" cy="3429000"/>
           </a:xfrm>
           <a:custGeom>
@@ -1225,110 +1229,6 @@
 </file>
 
 <file path=ppt/notesSlides/notesSlide14.xml><?xml version="1.0" encoding="utf-8"?>
-<p:notes xmlns:a="http://schemas.openxmlformats.org/drawingml/2006/main" xmlns:r="http://schemas.openxmlformats.org/officeDocument/2006/relationships" xmlns:p="http://schemas.openxmlformats.org/presentationml/2006/main" showMasterSp="0" showMasterPhAnim="0">
-  <p:cSld>
-    <p:spTree>
-      <p:nvGrpSpPr>
-        <p:cNvPr id="1" name="Shape 135"/>
-        <p:cNvGrpSpPr/>
-        <p:nvPr/>
-      </p:nvGrpSpPr>
-      <p:grpSpPr>
-        <a:xfrm>
-          <a:off x="0" y="0"/>
-          <a:ext cx="0" cy="0"/>
-          <a:chOff x="0" y="0"/>
-          <a:chExt cx="0" cy="0"/>
-        </a:xfrm>
-      </p:grpSpPr>
-      <p:sp>
-        <p:nvSpPr>
-          <p:cNvPr id="136" name="Shape 136"/>
-          <p:cNvSpPr>
-            <a:spLocks noGrp="1" noRot="1" noChangeAspect="1"/>
-          </p:cNvSpPr>
-          <p:nvPr>
-            <p:ph type="sldImg" idx="2"/>
-          </p:nvPr>
-        </p:nvSpPr>
-        <p:spPr>
-          <a:xfrm>
-            <a:off x="381300" y="685800"/>
-            <a:ext cx="6096000" cy="3429000"/>
-          </a:xfrm>
-          <a:custGeom>
-            <a:avLst/>
-            <a:gdLst/>
-            <a:ahLst/>
-            <a:cxnLst/>
-            <a:rect l="0" t="0" r="0" b="0"/>
-            <a:pathLst>
-              <a:path w="120000" h="120000" extrusionOk="0">
-                <a:moveTo>
-                  <a:pt x="0" y="0"/>
-                </a:moveTo>
-                <a:lnTo>
-                  <a:pt x="120000" y="0"/>
-                </a:lnTo>
-                <a:lnTo>
-                  <a:pt x="120000" y="120000"/>
-                </a:lnTo>
-                <a:lnTo>
-                  <a:pt x="0" y="120000"/>
-                </a:lnTo>
-                <a:close/>
-              </a:path>
-            </a:pathLst>
-          </a:custGeom>
-        </p:spPr>
-      </p:sp>
-      <p:sp>
-        <p:nvSpPr>
-          <p:cNvPr id="137" name="Shape 137"/>
-          <p:cNvSpPr txBox="1">
-            <a:spLocks noGrp="1"/>
-          </p:cNvSpPr>
-          <p:nvPr>
-            <p:ph type="body" idx="1"/>
-          </p:nvPr>
-        </p:nvSpPr>
-        <p:spPr>
-          <a:xfrm>
-            <a:off x="685800" y="4343400"/>
-            <a:ext cx="5486400" cy="4114800"/>
-          </a:xfrm>
-          <a:prstGeom prst="rect">
-            <a:avLst/>
-          </a:prstGeom>
-        </p:spPr>
-        <p:txBody>
-          <a:bodyPr spcFirstLastPara="1" wrap="square" lIns="91425" tIns="91425" rIns="91425" bIns="91425" anchor="t" anchorCtr="0">
-            <a:noAutofit/>
-          </a:bodyPr>
-          <a:lstStyle/>
-          <a:p>
-            <a:pPr marL="0" lvl="0" indent="0">
-              <a:spcBef>
-                <a:spcPts val="0"/>
-              </a:spcBef>
-              <a:spcAft>
-                <a:spcPts val="0"/>
-              </a:spcAft>
-              <a:buNone/>
-            </a:pPr>
-            <a:endParaRPr/>
-          </a:p>
-        </p:txBody>
-      </p:sp>
-    </p:spTree>
-  </p:cSld>
-  <p:clrMapOvr>
-    <a:masterClrMapping/>
-  </p:clrMapOvr>
-</p:notes>
-</file>
-
-<file path=ppt/notesSlides/notesSlide15.xml><?xml version="1.0" encoding="utf-8"?>
 <p:notes xmlns:a="http://schemas.openxmlformats.org/drawingml/2006/main" xmlns:r="http://schemas.openxmlformats.org/officeDocument/2006/relationships" xmlns:p="http://schemas.openxmlformats.org/presentationml/2006/main" showMasterSp="0" showMasterPhAnim="0">
   <p:cSld>
     <p:spTree>
@@ -1432,7 +1332,7 @@
 </p:notes>
 </file>
 
-<file path=ppt/notesSlides/notesSlide16.xml><?xml version="1.0" encoding="utf-8"?>
+<file path=ppt/notesSlides/notesSlide15.xml><?xml version="1.0" encoding="utf-8"?>
 <p:notes xmlns:a="http://schemas.openxmlformats.org/drawingml/2006/main" xmlns:r="http://schemas.openxmlformats.org/officeDocument/2006/relationships" xmlns:p="http://schemas.openxmlformats.org/presentationml/2006/main" showMasterSp="0" showMasterPhAnim="0">
   <p:cSld>
     <p:spTree>
@@ -1536,7 +1436,7 @@
 </p:notes>
 </file>
 
-<file path=ppt/notesSlides/notesSlide17.xml><?xml version="1.0" encoding="utf-8"?>
+<file path=ppt/notesSlides/notesSlide16.xml><?xml version="1.0" encoding="utf-8"?>
 <p:notes xmlns:a="http://schemas.openxmlformats.org/drawingml/2006/main" xmlns:r="http://schemas.openxmlformats.org/officeDocument/2006/relationships" xmlns:p="http://schemas.openxmlformats.org/presentationml/2006/main" showMasterSp="0" showMasterPhAnim="0">
   <p:cSld>
     <p:spTree>
@@ -1640,7 +1540,7 @@
 </p:notes>
 </file>
 
-<file path=ppt/notesSlides/notesSlide18.xml><?xml version="1.0" encoding="utf-8"?>
+<file path=ppt/notesSlides/notesSlide17.xml><?xml version="1.0" encoding="utf-8"?>
 <p:notes xmlns:a="http://schemas.openxmlformats.org/drawingml/2006/main" xmlns:r="http://schemas.openxmlformats.org/officeDocument/2006/relationships" xmlns:p="http://schemas.openxmlformats.org/presentationml/2006/main" showMasterSp="0" showMasterPhAnim="0">
   <p:cSld>
     <p:spTree>
@@ -1744,7 +1644,7 @@
 </p:notes>
 </file>
 
-<file path=ppt/notesSlides/notesSlide19.xml><?xml version="1.0" encoding="utf-8"?>
+<file path=ppt/notesSlides/notesSlide18.xml><?xml version="1.0" encoding="utf-8"?>
 <p:notes xmlns:a="http://schemas.openxmlformats.org/drawingml/2006/main" xmlns:r="http://schemas.openxmlformats.org/officeDocument/2006/relationships" xmlns:p="http://schemas.openxmlformats.org/presentationml/2006/main" showMasterSp="0" showMasterPhAnim="0">
   <p:cSld>
     <p:spTree>
@@ -1828,6 +1728,110 @@
           <a:lstStyle/>
           <a:p>
             <a:pPr marL="0" lvl="0" indent="0">
+              <a:spcBef>
+                <a:spcPts val="0"/>
+              </a:spcBef>
+              <a:spcAft>
+                <a:spcPts val="0"/>
+              </a:spcAft>
+              <a:buNone/>
+            </a:pPr>
+            <a:endParaRPr/>
+          </a:p>
+        </p:txBody>
+      </p:sp>
+    </p:spTree>
+  </p:cSld>
+  <p:clrMapOvr>
+    <a:masterClrMapping/>
+  </p:clrMapOvr>
+</p:notes>
+</file>
+
+<file path=ppt/notesSlides/notesSlide19.xml><?xml version="1.0" encoding="utf-8"?>
+<p:notes xmlns:a="http://schemas.openxmlformats.org/drawingml/2006/main" xmlns:r="http://schemas.openxmlformats.org/officeDocument/2006/relationships" xmlns:p="http://schemas.openxmlformats.org/presentationml/2006/main" showMasterSp="0" showMasterPhAnim="0">
+  <p:cSld>
+    <p:spTree>
+      <p:nvGrpSpPr>
+        <p:cNvPr id="1" name="Shape 176"/>
+        <p:cNvGrpSpPr/>
+        <p:nvPr/>
+      </p:nvGrpSpPr>
+      <p:grpSpPr>
+        <a:xfrm>
+          <a:off x="0" y="0"/>
+          <a:ext cx="0" cy="0"/>
+          <a:chOff x="0" y="0"/>
+          <a:chExt cx="0" cy="0"/>
+        </a:xfrm>
+      </p:grpSpPr>
+      <p:sp>
+        <p:nvSpPr>
+          <p:cNvPr id="177" name="Shape 177"/>
+          <p:cNvSpPr>
+            <a:spLocks noGrp="1" noRot="1" noChangeAspect="1"/>
+          </p:cNvSpPr>
+          <p:nvPr>
+            <p:ph type="sldImg" idx="2"/>
+          </p:nvPr>
+        </p:nvSpPr>
+        <p:spPr>
+          <a:xfrm>
+            <a:off x="381300" y="685800"/>
+            <a:ext cx="6096000" cy="3429000"/>
+          </a:xfrm>
+          <a:custGeom>
+            <a:avLst/>
+            <a:gdLst/>
+            <a:ahLst/>
+            <a:cxnLst/>
+            <a:rect l="0" t="0" r="0" b="0"/>
+            <a:pathLst>
+              <a:path w="120000" h="120000" extrusionOk="0">
+                <a:moveTo>
+                  <a:pt x="0" y="0"/>
+                </a:moveTo>
+                <a:lnTo>
+                  <a:pt x="120000" y="0"/>
+                </a:lnTo>
+                <a:lnTo>
+                  <a:pt x="120000" y="120000"/>
+                </a:lnTo>
+                <a:lnTo>
+                  <a:pt x="0" y="120000"/>
+                </a:lnTo>
+                <a:close/>
+              </a:path>
+            </a:pathLst>
+          </a:custGeom>
+        </p:spPr>
+      </p:sp>
+      <p:sp>
+        <p:nvSpPr>
+          <p:cNvPr id="178" name="Shape 178"/>
+          <p:cNvSpPr txBox="1">
+            <a:spLocks noGrp="1"/>
+          </p:cNvSpPr>
+          <p:nvPr>
+            <p:ph type="body" idx="1"/>
+          </p:nvPr>
+        </p:nvSpPr>
+        <p:spPr>
+          <a:xfrm>
+            <a:off x="685800" y="4343400"/>
+            <a:ext cx="5486400" cy="4114800"/>
+          </a:xfrm>
+          <a:prstGeom prst="rect">
+            <a:avLst/>
+          </a:prstGeom>
+        </p:spPr>
+        <p:txBody>
+          <a:bodyPr spcFirstLastPara="1" wrap="square" lIns="91425" tIns="91425" rIns="91425" bIns="91425" anchor="t" anchorCtr="0">
+            <a:noAutofit/>
+          </a:bodyPr>
+          <a:lstStyle/>
+          <a:p>
+            <a:pPr marL="0" lvl="0" indent="0" rtl="0">
               <a:spcBef>
                 <a:spcPts val="0"/>
               </a:spcBef>
@@ -1957,110 +1961,6 @@
   <p:cSld>
     <p:spTree>
       <p:nvGrpSpPr>
-        <p:cNvPr id="1" name="Shape 176"/>
-        <p:cNvGrpSpPr/>
-        <p:nvPr/>
-      </p:nvGrpSpPr>
-      <p:grpSpPr>
-        <a:xfrm>
-          <a:off x="0" y="0"/>
-          <a:ext cx="0" cy="0"/>
-          <a:chOff x="0" y="0"/>
-          <a:chExt cx="0" cy="0"/>
-        </a:xfrm>
-      </p:grpSpPr>
-      <p:sp>
-        <p:nvSpPr>
-          <p:cNvPr id="177" name="Shape 177"/>
-          <p:cNvSpPr>
-            <a:spLocks noGrp="1" noRot="1" noChangeAspect="1"/>
-          </p:cNvSpPr>
-          <p:nvPr>
-            <p:ph type="sldImg" idx="2"/>
-          </p:nvPr>
-        </p:nvSpPr>
-        <p:spPr>
-          <a:xfrm>
-            <a:off x="381300" y="685800"/>
-            <a:ext cx="6096000" cy="3429000"/>
-          </a:xfrm>
-          <a:custGeom>
-            <a:avLst/>
-            <a:gdLst/>
-            <a:ahLst/>
-            <a:cxnLst/>
-            <a:rect l="0" t="0" r="0" b="0"/>
-            <a:pathLst>
-              <a:path w="120000" h="120000" extrusionOk="0">
-                <a:moveTo>
-                  <a:pt x="0" y="0"/>
-                </a:moveTo>
-                <a:lnTo>
-                  <a:pt x="120000" y="0"/>
-                </a:lnTo>
-                <a:lnTo>
-                  <a:pt x="120000" y="120000"/>
-                </a:lnTo>
-                <a:lnTo>
-                  <a:pt x="0" y="120000"/>
-                </a:lnTo>
-                <a:close/>
-              </a:path>
-            </a:pathLst>
-          </a:custGeom>
-        </p:spPr>
-      </p:sp>
-      <p:sp>
-        <p:nvSpPr>
-          <p:cNvPr id="178" name="Shape 178"/>
-          <p:cNvSpPr txBox="1">
-            <a:spLocks noGrp="1"/>
-          </p:cNvSpPr>
-          <p:nvPr>
-            <p:ph type="body" idx="1"/>
-          </p:nvPr>
-        </p:nvSpPr>
-        <p:spPr>
-          <a:xfrm>
-            <a:off x="685800" y="4343400"/>
-            <a:ext cx="5486400" cy="4114800"/>
-          </a:xfrm>
-          <a:prstGeom prst="rect">
-            <a:avLst/>
-          </a:prstGeom>
-        </p:spPr>
-        <p:txBody>
-          <a:bodyPr spcFirstLastPara="1" wrap="square" lIns="91425" tIns="91425" rIns="91425" bIns="91425" anchor="t" anchorCtr="0">
-            <a:noAutofit/>
-          </a:bodyPr>
-          <a:lstStyle/>
-          <a:p>
-            <a:pPr marL="0" lvl="0" indent="0" rtl="0">
-              <a:spcBef>
-                <a:spcPts val="0"/>
-              </a:spcBef>
-              <a:spcAft>
-                <a:spcPts val="0"/>
-              </a:spcAft>
-              <a:buNone/>
-            </a:pPr>
-            <a:endParaRPr/>
-          </a:p>
-        </p:txBody>
-      </p:sp>
-    </p:spTree>
-  </p:cSld>
-  <p:clrMapOvr>
-    <a:masterClrMapping/>
-  </p:clrMapOvr>
-</p:notes>
-</file>
-
-<file path=ppt/notesSlides/notesSlide21.xml><?xml version="1.0" encoding="utf-8"?>
-<p:notes xmlns:a="http://schemas.openxmlformats.org/drawingml/2006/main" xmlns:r="http://schemas.openxmlformats.org/officeDocument/2006/relationships" xmlns:p="http://schemas.openxmlformats.org/presentationml/2006/main" showMasterSp="0" showMasterPhAnim="0">
-  <p:cSld>
-    <p:spTree>
-      <p:nvGrpSpPr>
         <p:cNvPr id="1" name="Shape 184"/>
         <p:cNvGrpSpPr/>
         <p:nvPr/>
@@ -2160,7 +2060,7 @@
 </p:notes>
 </file>
 
-<file path=ppt/notesSlides/notesSlide22.xml><?xml version="1.0" encoding="utf-8"?>
+<file path=ppt/notesSlides/notesSlide21.xml><?xml version="1.0" encoding="utf-8"?>
 <p:notes xmlns:a="http://schemas.openxmlformats.org/drawingml/2006/main" xmlns:r="http://schemas.openxmlformats.org/officeDocument/2006/relationships" xmlns:p="http://schemas.openxmlformats.org/presentationml/2006/main" showMasterSp="0" showMasterPhAnim="0">
   <p:cSld>
     <p:spTree>
@@ -9260,10 +9160,26 @@
               <a:buNone/>
             </a:pPr>
             <a:r>
-              <a:rPr lang="en"/>
-              <a:t>Each news item has to fields: </a:t>
-            </a:r>
-            <a:endParaRPr/>
+              <a:rPr lang="en" dirty="0"/>
+              <a:t>Each news item has </a:t>
+            </a:r>
+            <a:r>
+              <a:rPr lang="en" dirty="0" smtClean="0"/>
+              <a:t>t</a:t>
+            </a:r>
+            <a:r>
+              <a:rPr lang="en-US" dirty="0" smtClean="0"/>
+              <a:t>w</a:t>
+            </a:r>
+            <a:r>
+              <a:rPr lang="en" dirty="0" smtClean="0"/>
+              <a:t>o </a:t>
+            </a:r>
+            <a:r>
+              <a:rPr lang="en" dirty="0"/>
+              <a:t>fields: </a:t>
+            </a:r>
+            <a:endParaRPr dirty="0"/>
           </a:p>
           <a:p>
             <a:pPr marL="457200" lvl="0" indent="-342900" rtl="0">
@@ -9277,10 +9193,10 @@
               <a:buChar char="●"/>
             </a:pPr>
             <a:r>
-              <a:rPr lang="en"/>
+              <a:rPr lang="en" dirty="0"/>
               <a:t>Data - the actual text</a:t>
             </a:r>
-            <a:endParaRPr/>
+            <a:endParaRPr dirty="0"/>
           </a:p>
           <a:p>
             <a:pPr marL="457200" lvl="0" indent="-342900">
@@ -9294,10 +9210,70 @@
               <a:buChar char="●"/>
             </a:pPr>
             <a:r>
-              <a:rPr lang="en"/>
-              <a:t>Target - index of the category the news item belongs to</a:t>
-            </a:r>
-            <a:endParaRPr/>
+              <a:rPr lang="en" dirty="0"/>
+              <a:t>Target - index of the category the news item belongs </a:t>
+            </a:r>
+            <a:r>
+              <a:rPr lang="en" dirty="0" smtClean="0"/>
+              <a:t>to</a:t>
+            </a:r>
+            <a:endParaRPr lang="en-US" dirty="0" smtClean="0"/>
+          </a:p>
+          <a:p>
+            <a:pPr marL="457200" lvl="0" indent="-342900">
+              <a:spcBef>
+                <a:spcPts val="0"/>
+              </a:spcBef>
+              <a:spcAft>
+                <a:spcPts val="0"/>
+              </a:spcAft>
+              <a:buSzPts val="1800"/>
+              <a:buChar char="●"/>
+            </a:pPr>
+            <a:endParaRPr lang="en-US" dirty="0"/>
+          </a:p>
+          <a:p>
+            <a:pPr marL="457200" lvl="0" indent="-342900">
+              <a:spcBef>
+                <a:spcPts val="0"/>
+              </a:spcBef>
+              <a:spcAft>
+                <a:spcPts val="0"/>
+              </a:spcAft>
+              <a:buSzPts val="1800"/>
+              <a:buChar char="●"/>
+            </a:pPr>
+            <a:endParaRPr lang="en-US" dirty="0" smtClean="0"/>
+          </a:p>
+          <a:p>
+            <a:pPr marL="457200" lvl="0" indent="-342900">
+              <a:spcBef>
+                <a:spcPts val="0"/>
+              </a:spcBef>
+              <a:spcAft>
+                <a:spcPts val="0"/>
+              </a:spcAft>
+              <a:buSzPts val="1800"/>
+              <a:buChar char="●"/>
+            </a:pPr>
+            <a:endParaRPr lang="en-US" dirty="0"/>
+          </a:p>
+          <a:p>
+            <a:pPr marL="114300" lvl="0" indent="0">
+              <a:spcBef>
+                <a:spcPts val="0"/>
+              </a:spcBef>
+              <a:spcAft>
+                <a:spcPts val="0"/>
+              </a:spcAft>
+              <a:buSzPts val="1800"/>
+              <a:buNone/>
+            </a:pPr>
+            <a:r>
+              <a:rPr lang="en-US" dirty="0" smtClean="0"/>
+              <a:t>See the 18a-NLP notebook for running code</a:t>
+            </a:r>
+            <a:endParaRPr dirty="0"/>
           </a:p>
         </p:txBody>
       </p:sp>
@@ -9416,10 +9392,10 @@
               <a:buNone/>
             </a:pPr>
             <a:r>
-              <a:rPr lang="en"/>
+              <a:rPr lang="en" dirty="0"/>
               <a:t>import pandas</a:t>
             </a:r>
-            <a:endParaRPr/>
+            <a:endParaRPr dirty="0"/>
           </a:p>
           <a:p>
             <a:pPr marL="0" lvl="0" indent="0">
@@ -9437,10 +9413,22 @@
               <a:buNone/>
             </a:pPr>
             <a:r>
-              <a:rPr lang="en"/>
-              <a:t>from sklearn.feature_extraction.text import CountVectorizer</a:t>
-            </a:r>
-            <a:endParaRPr/>
+              <a:rPr lang="en" dirty="0"/>
+              <a:t>from </a:t>
+            </a:r>
+            <a:r>
+              <a:rPr lang="en" dirty="0" err="1"/>
+              <a:t>sklearn.feature_extraction.text</a:t>
+            </a:r>
+            <a:r>
+              <a:rPr lang="en" dirty="0"/>
+              <a:t> import </a:t>
+            </a:r>
+            <a:r>
+              <a:rPr lang="en" dirty="0" err="1"/>
+              <a:t>CountVectorizer</a:t>
+            </a:r>
+            <a:endParaRPr dirty="0"/>
           </a:p>
           <a:p>
             <a:pPr marL="0" lvl="0" indent="0">
@@ -9458,10 +9446,22 @@
               <a:buNone/>
             </a:pPr>
             <a:r>
-              <a:rPr lang="en"/>
-              <a:t>from sklearn.metrics.pairwise import euclidean_distances</a:t>
-            </a:r>
-            <a:endParaRPr/>
+              <a:rPr lang="en" dirty="0"/>
+              <a:t>from </a:t>
+            </a:r>
+            <a:r>
+              <a:rPr lang="en" dirty="0" err="1"/>
+              <a:t>sklearn.metrics.pairwise</a:t>
+            </a:r>
+            <a:r>
+              <a:rPr lang="en" dirty="0"/>
+              <a:t> import </a:t>
+            </a:r>
+            <a:r>
+              <a:rPr lang="en" dirty="0" err="1"/>
+              <a:t>euclidean_distances</a:t>
+            </a:r>
+            <a:endParaRPr dirty="0"/>
           </a:p>
           <a:p>
             <a:pPr marL="0" lvl="0" indent="0">
@@ -9479,10 +9479,18 @@
               <a:buNone/>
             </a:pPr>
             <a:r>
-              <a:rPr lang="en"/>
-              <a:t>from sklearn.datasets import fetch_20newsgroups</a:t>
-            </a:r>
-            <a:endParaRPr/>
+              <a:rPr lang="en" dirty="0"/>
+              <a:t>from </a:t>
+            </a:r>
+            <a:r>
+              <a:rPr lang="en" dirty="0" err="1"/>
+              <a:t>sklearn.datasets</a:t>
+            </a:r>
+            <a:r>
+              <a:rPr lang="en" dirty="0"/>
+              <a:t> import fetch_20newsgroups</a:t>
+            </a:r>
+            <a:endParaRPr dirty="0"/>
           </a:p>
           <a:p>
             <a:pPr marL="0" lvl="0" indent="0">
@@ -9499,7 +9507,7 @@
               <a:buFont typeface="Arial"/>
               <a:buNone/>
             </a:pPr>
-            <a:endParaRPr/>
+            <a:endParaRPr dirty="0"/>
           </a:p>
           <a:p>
             <a:pPr marL="0" lvl="0" indent="0">
@@ -9517,22 +9525,54 @@
               <a:buNone/>
             </a:pPr>
             <a:r>
-              <a:rPr lang="en"/>
+              <a:rPr lang="en" dirty="0"/>
               <a:t>cats = [</a:t>
             </a:r>
             <a:r>
-              <a:rPr lang="en">
+              <a:rPr lang="en" dirty="0">
                 <a:solidFill>
                   <a:srgbClr val="FF0000"/>
                 </a:solidFill>
               </a:rPr>
-              <a:t>'talk.politics.misc', 'sci.space'</a:t>
-            </a:r>
-            <a:r>
-              <a:rPr lang="en"/>
+              <a:t>'</a:t>
+            </a:r>
+            <a:r>
+              <a:rPr lang="en" dirty="0" err="1">
+                <a:solidFill>
+                  <a:srgbClr val="FF0000"/>
+                </a:solidFill>
+              </a:rPr>
+              <a:t>talk.politics.misc</a:t>
+            </a:r>
+            <a:r>
+              <a:rPr lang="en" dirty="0">
+                <a:solidFill>
+                  <a:srgbClr val="FF0000"/>
+                </a:solidFill>
+              </a:rPr>
+              <a:t>', '</a:t>
+            </a:r>
+            <a:r>
+              <a:rPr lang="en" dirty="0" err="1">
+                <a:solidFill>
+                  <a:srgbClr val="FF0000"/>
+                </a:solidFill>
+              </a:rPr>
+              <a:t>sci.space</a:t>
+            </a:r>
+            <a:r>
+              <a:rPr lang="en" dirty="0">
+                <a:solidFill>
+                  <a:srgbClr val="FF0000"/>
+                </a:solidFill>
+              </a:rPr>
+              <a:t>'</a:t>
+            </a:r>
+            <a:r>
+              <a:rPr lang="en" dirty="0"/>
               <a:t>]</a:t>
             </a:r>
-            <a:endParaRPr/>
+            <a:endParaRPr dirty="0"/>
           </a:p>
           <a:p>
             <a:pPr marL="0" lvl="0" indent="0">
@@ -9550,10 +9590,14 @@
               <a:buNone/>
             </a:pPr>
             <a:r>
-              <a:rPr lang="en"/>
-              <a:t>newsgroups_train = fetch_20newsgroups(subset='train', categories=cats)</a:t>
-            </a:r>
-            <a:endParaRPr/>
+              <a:rPr lang="en" dirty="0" err="1"/>
+              <a:t>newsgroups_train</a:t>
+            </a:r>
+            <a:r>
+              <a:rPr lang="en" dirty="0"/>
+              <a:t> = fetch_20newsgroups(subset='train', categories=cats)</a:t>
+            </a:r>
+            <a:endParaRPr dirty="0"/>
           </a:p>
           <a:p>
             <a:pPr marL="0" lvl="0" indent="0">
@@ -9571,10 +9615,73 @@
               <a:buNone/>
             </a:pPr>
             <a:r>
-              <a:rPr lang="en"/>
-              <a:t>print(len(newsgroups_train.data))</a:t>
-            </a:r>
-            <a:endParaRPr/>
+              <a:rPr lang="en" dirty="0"/>
+              <a:t>print(</a:t>
+            </a:r>
+            <a:r>
+              <a:rPr lang="en" dirty="0" err="1"/>
+              <a:t>len</a:t>
+            </a:r>
+            <a:r>
+              <a:rPr lang="en" dirty="0"/>
+              <a:t>(</a:t>
+            </a:r>
+            <a:r>
+              <a:rPr lang="en" dirty="0" err="1"/>
+              <a:t>newsgroups_train.data</a:t>
+            </a:r>
+            <a:r>
+              <a:rPr lang="en" dirty="0"/>
+              <a:t>))</a:t>
+            </a:r>
+            <a:endParaRPr dirty="0"/>
+          </a:p>
+          <a:p>
+            <a:pPr lvl="0"/>
+            <a:r>
+              <a:rPr lang="en-US" dirty="0">
+                <a:solidFill>
+                  <a:schemeClr val="dk1"/>
+                </a:solidFill>
+              </a:rPr>
+              <a:t>print(list(</a:t>
+            </a:r>
+            <a:r>
+              <a:rPr lang="en-US" dirty="0" err="1">
+                <a:solidFill>
+                  <a:schemeClr val="dk1"/>
+                </a:solidFill>
+              </a:rPr>
+              <a:t>newsgroups_train.target_names</a:t>
+            </a:r>
+            <a:r>
+              <a:rPr lang="en-US" dirty="0">
+                <a:solidFill>
+                  <a:schemeClr val="dk1"/>
+                </a:solidFill>
+              </a:rPr>
+              <a:t>))</a:t>
+            </a:r>
+          </a:p>
+          <a:p>
+            <a:pPr lvl="0">
+              <a:buClr>
+                <a:schemeClr val="dk1"/>
+              </a:buClr>
+              <a:buSzPts val="1100"/>
+            </a:pPr>
+            <a:r>
+              <a:rPr lang="en-US" dirty="0"/>
+              <a:t>print(</a:t>
+            </a:r>
+            <a:r>
+              <a:rPr lang="en-US" dirty="0" err="1"/>
+              <a:t>newsgroups_train.target.shape</a:t>
+            </a:r>
+            <a:r>
+              <a:rPr lang="en-US" dirty="0"/>
+              <a:t>)</a:t>
+            </a:r>
           </a:p>
           <a:p>
             <a:pPr marL="0" lvl="0" indent="0">
@@ -9592,11 +9699,15 @@
               <a:buNone/>
             </a:pPr>
             <a:r>
-              <a:rPr lang="en"/>
-              <a:t>print(newsgroups_train.</a:t>
-            </a:r>
-            <a:r>
-              <a:rPr lang="en">
+              <a:rPr lang="en" dirty="0" smtClean="0"/>
+              <a:t>print(</a:t>
+            </a:r>
+            <a:r>
+              <a:rPr lang="en" dirty="0" err="1" smtClean="0"/>
+              <a:t>newsgroups_train.</a:t>
+            </a:r>
+            <a:r>
+              <a:rPr lang="en" dirty="0" err="1" smtClean="0">
                 <a:solidFill>
                   <a:srgbClr val="FF0000"/>
                 </a:solidFill>
@@ -9604,34 +9715,18 @@
               <a:t>data</a:t>
             </a:r>
             <a:r>
-              <a:rPr lang="en"/>
-              <a:t>[:10])</a:t>
-            </a:r>
-            <a:endParaRPr/>
-          </a:p>
-          <a:p>
-            <a:pPr marL="0" lvl="0" indent="0">
-              <a:spcBef>
-                <a:spcPts val="0"/>
-              </a:spcBef>
-              <a:spcAft>
-                <a:spcPts val="0"/>
-              </a:spcAft>
-              <a:buNone/>
-            </a:pPr>
-            <a:r>
-              <a:rPr lang="en">
-                <a:solidFill>
-                  <a:schemeClr val="dk1"/>
-                </a:solidFill>
-              </a:rPr>
-              <a:t>print(list(newsgroups_train.target_names))</a:t>
-            </a:r>
-            <a:endParaRPr>
-              <a:solidFill>
-                <a:schemeClr val="dk1"/>
-              </a:solidFill>
-            </a:endParaRPr>
+              <a:rPr lang="en" dirty="0" smtClean="0"/>
+              <a:t>[</a:t>
+            </a:r>
+            <a:r>
+              <a:rPr lang="en-US" dirty="0" smtClean="0"/>
+              <a:t>5</a:t>
+            </a:r>
+            <a:r>
+              <a:rPr lang="en" dirty="0" smtClean="0"/>
+              <a:t>])</a:t>
+            </a:r>
+            <a:endParaRPr dirty="0"/>
           </a:p>
           <a:p>
             <a:pPr marL="0" lvl="0" indent="0">
@@ -9649,32 +9744,15 @@
               <a:buNone/>
             </a:pPr>
             <a:r>
-              <a:rPr lang="en"/>
-              <a:t>print(newsgroups_train.target.shape)</a:t>
-            </a:r>
-            <a:endParaRPr/>
-          </a:p>
-          <a:p>
-            <a:pPr marL="0" lvl="0" indent="0">
-              <a:spcBef>
-                <a:spcPts val="0"/>
-              </a:spcBef>
-              <a:spcAft>
-                <a:spcPts val="0"/>
-              </a:spcAft>
-              <a:buClr>
-                <a:schemeClr val="dk1"/>
-              </a:buClr>
-              <a:buSzPts val="1100"/>
-              <a:buFont typeface="Arial"/>
-              <a:buNone/>
-            </a:pPr>
-            <a:r>
-              <a:rPr lang="en"/>
-              <a:t>print(newsgroups_train.</a:t>
-            </a:r>
-            <a:r>
-              <a:rPr lang="en">
+              <a:rPr lang="en" dirty="0" smtClean="0"/>
+              <a:t>print(</a:t>
+            </a:r>
+            <a:r>
+              <a:rPr lang="en" dirty="0" err="1" smtClean="0"/>
+              <a:t>newsgroups_train.</a:t>
+            </a:r>
+            <a:r>
+              <a:rPr lang="en" dirty="0" err="1" smtClean="0">
                 <a:solidFill>
                   <a:srgbClr val="FF0000"/>
                 </a:solidFill>
@@ -9682,22 +9760,30 @@
               <a:t>target</a:t>
             </a:r>
             <a:r>
-              <a:rPr lang="en"/>
-              <a:t>[:10])</a:t>
-            </a:r>
-            <a:endParaRPr/>
-          </a:p>
-          <a:p>
-            <a:pPr marL="0" lvl="0" indent="0">
-              <a:spcBef>
-                <a:spcPts val="0"/>
-              </a:spcBef>
-              <a:spcAft>
-                <a:spcPts val="0"/>
-              </a:spcAft>
-              <a:buNone/>
-            </a:pPr>
-            <a:endParaRPr/>
+              <a:rPr lang="en" dirty="0" smtClean="0"/>
+              <a:t>[</a:t>
+            </a:r>
+            <a:r>
+              <a:rPr lang="en-US" dirty="0" smtClean="0"/>
+              <a:t>5</a:t>
+            </a:r>
+            <a:r>
+              <a:rPr lang="en" dirty="0" smtClean="0"/>
+              <a:t>])</a:t>
+            </a:r>
+            <a:endParaRPr dirty="0"/>
+          </a:p>
+          <a:p>
+            <a:pPr marL="0" lvl="0" indent="0">
+              <a:spcBef>
+                <a:spcPts val="0"/>
+              </a:spcBef>
+              <a:spcAft>
+                <a:spcPts val="0"/>
+              </a:spcAft>
+              <a:buNone/>
+            </a:pPr>
+            <a:endParaRPr dirty="0"/>
           </a:p>
         </p:txBody>
       </p:sp>
@@ -9752,260 +9838,6 @@
 </file>
 
 <file path=ppt/slides/slide14.xml><?xml version="1.0" encoding="utf-8"?>
-<p:sld xmlns:a="http://schemas.openxmlformats.org/drawingml/2006/main" xmlns:r="http://schemas.openxmlformats.org/officeDocument/2006/relationships" xmlns:p="http://schemas.openxmlformats.org/presentationml/2006/main">
-  <p:cSld>
-    <p:spTree>
-      <p:nvGrpSpPr>
-        <p:cNvPr id="1" name="Shape 138"/>
-        <p:cNvGrpSpPr/>
-        <p:nvPr/>
-      </p:nvGrpSpPr>
-      <p:grpSpPr>
-        <a:xfrm>
-          <a:off x="0" y="0"/>
-          <a:ext cx="0" cy="0"/>
-          <a:chOff x="0" y="0"/>
-          <a:chExt cx="0" cy="0"/>
-        </a:xfrm>
-      </p:grpSpPr>
-      <p:sp>
-        <p:nvSpPr>
-          <p:cNvPr id="139" name="Shape 139"/>
-          <p:cNvSpPr txBox="1">
-            <a:spLocks noGrp="1"/>
-          </p:cNvSpPr>
-          <p:nvPr>
-            <p:ph type="title"/>
-          </p:nvPr>
-        </p:nvSpPr>
-        <p:spPr>
-          <a:xfrm>
-            <a:off x="311700" y="445025"/>
-            <a:ext cx="8520600" cy="572700"/>
-          </a:xfrm>
-          <a:prstGeom prst="rect">
-            <a:avLst/>
-          </a:prstGeom>
-        </p:spPr>
-        <p:txBody>
-          <a:bodyPr spcFirstLastPara="1" wrap="square" lIns="91425" tIns="91425" rIns="91425" bIns="91425" anchor="t" anchorCtr="0">
-            <a:noAutofit/>
-          </a:bodyPr>
-          <a:lstStyle/>
-          <a:p>
-            <a:pPr marL="0" lvl="0" indent="0">
-              <a:spcBef>
-                <a:spcPts val="0"/>
-              </a:spcBef>
-              <a:spcAft>
-                <a:spcPts val="0"/>
-              </a:spcAft>
-              <a:buNone/>
-            </a:pPr>
-            <a:r>
-              <a:rPr lang="en"/>
-              <a:t>Real World Data</a:t>
-            </a:r>
-            <a:endParaRPr/>
-          </a:p>
-        </p:txBody>
-      </p:sp>
-      <p:sp>
-        <p:nvSpPr>
-          <p:cNvPr id="140" name="Shape 140"/>
-          <p:cNvSpPr txBox="1">
-            <a:spLocks noGrp="1"/>
-          </p:cNvSpPr>
-          <p:nvPr>
-            <p:ph type="body" idx="1"/>
-          </p:nvPr>
-        </p:nvSpPr>
-        <p:spPr>
-          <a:xfrm>
-            <a:off x="311700" y="1000075"/>
-            <a:ext cx="8520600" cy="4083300"/>
-          </a:xfrm>
-          <a:prstGeom prst="rect">
-            <a:avLst/>
-          </a:prstGeom>
-        </p:spPr>
-        <p:txBody>
-          <a:bodyPr spcFirstLastPara="1" wrap="square" lIns="91425" tIns="91425" rIns="91425" bIns="91425" anchor="t" anchorCtr="0">
-            <a:noAutofit/>
-          </a:bodyPr>
-          <a:lstStyle/>
-          <a:p>
-            <a:pPr marL="0" lvl="0" indent="0">
-              <a:spcBef>
-                <a:spcPts val="0"/>
-              </a:spcBef>
-              <a:spcAft>
-                <a:spcPts val="0"/>
-              </a:spcAft>
-              <a:buNone/>
-            </a:pPr>
-            <a:r>
-              <a:rPr lang="en"/>
-              <a:t>A typical news feed story:</a:t>
-            </a:r>
-            <a:endParaRPr/>
-          </a:p>
-          <a:p>
-            <a:pPr marL="0" lvl="0" indent="0">
-              <a:spcBef>
-                <a:spcPts val="1600"/>
-              </a:spcBef>
-              <a:spcAft>
-                <a:spcPts val="1600"/>
-              </a:spcAft>
-              <a:buNone/>
-            </a:pPr>
-            <a:r>
-              <a:rPr lang="en" sz="1100"/>
-              <a:t>	The [McDonald] case was dismissed in the interests of Justice</a:t>
-            </a:r>
-            <a:br>
-              <a:rPr lang="en" sz="1100"/>
-            </a:br>
-            <a:r>
-              <a:rPr lang="en" sz="1100"/>
-              <a:t/>
-            </a:r>
-            <a:br>
-              <a:rPr lang="en" sz="1100"/>
-            </a:br>
-            <a:r>
-              <a:rPr lang="en" sz="1100"/>
-              <a:t>On whose authority do you have this and on what grounds was it </a:t>
-            </a:r>
-            <a:br>
-              <a:rPr lang="en" sz="1100"/>
-            </a:br>
-            <a:r>
-              <a:rPr lang="en" sz="1100"/>
-              <a:t>dismissed?</a:t>
-            </a:r>
-            <a:br>
-              <a:rPr lang="en" sz="1100"/>
-            </a:br>
-            <a:r>
-              <a:rPr lang="en" sz="1100"/>
-              <a:t/>
-            </a:r>
-            <a:br>
-              <a:rPr lang="en" sz="1100"/>
-            </a:br>
-            <a:r>
-              <a:rPr lang="en" sz="1100"/>
-              <a:t>						Daniel Reitman</a:t>
-            </a:r>
-            <a:br>
-              <a:rPr lang="en" sz="1100"/>
-            </a:br>
-            <a:r>
-              <a:rPr lang="en" sz="1100"/>
-              <a:t/>
-            </a:r>
-            <a:br>
-              <a:rPr lang="en" sz="1100"/>
-            </a:br>
-            <a:r>
-              <a:rPr lang="en" sz="1100"/>
-              <a:t>HOW NOT TO WRITE A DEED</a:t>
-            </a:r>
-            <a:br>
-              <a:rPr lang="en" sz="1100"/>
-            </a:br>
-            <a:r>
-              <a:rPr lang="en" sz="1100"/>
-              <a:t/>
-            </a:r>
-            <a:br>
-              <a:rPr lang="en" sz="1100"/>
-            </a:br>
-            <a:r>
-              <a:rPr lang="en" sz="1100"/>
-              <a:t>One case involved the construction of a conveyance to grantees "jointly, as </a:t>
-            </a:r>
-            <a:br>
-              <a:rPr lang="en" sz="1100"/>
-            </a:br>
-            <a:r>
-              <a:rPr lang="en" sz="1100"/>
-              <a:t>tenants in common, with equal rights and interest in said land, and to the </a:t>
-            </a:r>
-            <a:br>
-              <a:rPr lang="en" sz="1100"/>
-            </a:br>
-            <a:r>
-              <a:rPr lang="en" sz="1100"/>
-              <a:t>survivor thereof, in fee simple. . . . To Have and to Hold the same unto the </a:t>
-            </a:r>
-            <a:br>
-              <a:rPr lang="en" sz="1100"/>
-            </a:br>
-            <a:r>
-              <a:rPr lang="en" sz="1100"/>
-              <a:t>said parties hereto, equally, jointly, as tenants in common, with equal rights </a:t>
-            </a:r>
-            <a:br>
-              <a:rPr lang="en" sz="1100"/>
-            </a:br>
-            <a:r>
-              <a:rPr lang="en" sz="1100"/>
-              <a:t>and interest for the period or term of their lives, and to the survivor thereof </a:t>
-            </a:r>
-            <a:br>
-              <a:rPr lang="en" sz="1100"/>
-            </a:br>
-            <a:r>
-              <a:rPr lang="en" sz="1100"/>
-              <a:t>at the death of the other."</a:t>
-            </a:r>
-            <a:br>
-              <a:rPr lang="en" sz="1100"/>
-            </a:br>
-            <a:r>
-              <a:rPr lang="en" sz="1100"/>
-              <a:t/>
-            </a:r>
-            <a:br>
-              <a:rPr lang="en" sz="1100"/>
-            </a:br>
-            <a:r>
-              <a:rPr lang="en" sz="1100"/>
-              <a:t>The court held that the survivorship provision indicated an intent to create a </a:t>
-            </a:r>
-            <a:br>
-              <a:rPr lang="en" sz="1100"/>
-            </a:br>
-            <a:r>
-              <a:rPr lang="en" sz="1100"/>
-              <a:t>joint tenancy.  Germain v. Delaine, 294 Ala. 443, 318 So.2d 681 (1975).</a:t>
-            </a:r>
-            <a:br>
-              <a:rPr lang="en" sz="1100"/>
-            </a:br>
-            <a:r>
-              <a:rPr lang="en" sz="1100"/>
-              <a:t/>
-            </a:r>
-            <a:br>
-              <a:rPr lang="en" sz="1100"/>
-            </a:br>
-            <a:endParaRPr sz="1100"/>
-          </a:p>
-        </p:txBody>
-      </p:sp>
-    </p:spTree>
-  </p:cSld>
-  <p:clrMapOvr>
-    <a:masterClrMapping/>
-  </p:clrMapOvr>
-</p:sld>
-</file>
-
-<file path=ppt/slides/slide15.xml><?xml version="1.0" encoding="utf-8"?>
 <p:sld xmlns:a="http://schemas.openxmlformats.org/drawingml/2006/main" xmlns:r="http://schemas.openxmlformats.org/officeDocument/2006/relationships" xmlns:p="http://schemas.openxmlformats.org/presentationml/2006/main">
   <p:cSld>
     <p:spTree>
@@ -10099,10 +9931,18 @@
               <a:buNone/>
             </a:pPr>
             <a:r>
-              <a:rPr lang="en"/>
-              <a:t>Let us compute the docterm matrix for the news articles</a:t>
-            </a:r>
-            <a:endParaRPr/>
+              <a:rPr lang="en" dirty="0"/>
+              <a:t>Let us compute the </a:t>
+            </a:r>
+            <a:r>
+              <a:rPr lang="en" dirty="0" err="1"/>
+              <a:t>docterm</a:t>
+            </a:r>
+            <a:r>
+              <a:rPr lang="en" dirty="0"/>
+              <a:t> matrix for the news articles</a:t>
+            </a:r>
+            <a:endParaRPr dirty="0"/>
           </a:p>
         </p:txBody>
       </p:sp>
@@ -10154,10 +9994,10 @@
               <a:buNone/>
             </a:pPr>
             <a:r>
-              <a:rPr lang="en"/>
+              <a:rPr lang="en" dirty="0"/>
               <a:t>import pandas</a:t>
             </a:r>
-            <a:endParaRPr/>
+            <a:endParaRPr dirty="0"/>
           </a:p>
           <a:p>
             <a:pPr marL="0" lvl="0" indent="0">
@@ -10175,10 +10015,22 @@
               <a:buNone/>
             </a:pPr>
             <a:r>
-              <a:rPr lang="en"/>
-              <a:t>from sklearn.feature_extraction.text import CountVectorizer</a:t>
-            </a:r>
-            <a:endParaRPr/>
+              <a:rPr lang="en" dirty="0"/>
+              <a:t>from </a:t>
+            </a:r>
+            <a:r>
+              <a:rPr lang="en" dirty="0" err="1"/>
+              <a:t>sklearn.feature_extraction.text</a:t>
+            </a:r>
+            <a:r>
+              <a:rPr lang="en" dirty="0"/>
+              <a:t> import </a:t>
+            </a:r>
+            <a:r>
+              <a:rPr lang="en" dirty="0" err="1"/>
+              <a:t>CountVectorizer</a:t>
+            </a:r>
+            <a:endParaRPr dirty="0"/>
           </a:p>
           <a:p>
             <a:pPr marL="0" lvl="0" indent="0">
@@ -10196,26 +10048,46 @@
               <a:buNone/>
             </a:pPr>
             <a:r>
-              <a:rPr lang="en"/>
-              <a:t>from sklearn.metrics.pairwise import euclidean_distances</a:t>
-            </a:r>
-            <a:endParaRPr/>
-          </a:p>
-          <a:p>
-            <a:pPr marL="0" lvl="0" indent="0">
-              <a:spcBef>
-                <a:spcPts val="0"/>
-              </a:spcBef>
-              <a:spcAft>
-                <a:spcPts val="0"/>
-              </a:spcAft>
-              <a:buNone/>
-            </a:pPr>
-            <a:r>
-              <a:rPr lang="en"/>
-              <a:t>from sklearn.datasets import fetch_20newsgroups</a:t>
-            </a:r>
-            <a:endParaRPr/>
+              <a:rPr lang="en" dirty="0"/>
+              <a:t>from </a:t>
+            </a:r>
+            <a:r>
+              <a:rPr lang="en" dirty="0" err="1"/>
+              <a:t>sklearn.metrics.pairwise</a:t>
+            </a:r>
+            <a:r>
+              <a:rPr lang="en" dirty="0"/>
+              <a:t> import </a:t>
+            </a:r>
+            <a:r>
+              <a:rPr lang="en" dirty="0" err="1"/>
+              <a:t>euclidean_distances</a:t>
+            </a:r>
+            <a:endParaRPr dirty="0"/>
+          </a:p>
+          <a:p>
+            <a:pPr marL="0" lvl="0" indent="0">
+              <a:spcBef>
+                <a:spcPts val="0"/>
+              </a:spcBef>
+              <a:spcAft>
+                <a:spcPts val="0"/>
+              </a:spcAft>
+              <a:buNone/>
+            </a:pPr>
+            <a:r>
+              <a:rPr lang="en" dirty="0"/>
+              <a:t>from </a:t>
+            </a:r>
+            <a:r>
+              <a:rPr lang="en" dirty="0" err="1"/>
+              <a:t>sklearn.datasets</a:t>
+            </a:r>
+            <a:r>
+              <a:rPr lang="en" dirty="0"/>
+              <a:t> import fetch_20newsgroups</a:t>
+            </a:r>
+            <a:endParaRPr dirty="0"/>
           </a:p>
           <a:p>
             <a:pPr marL="0" lvl="0" indent="0">
@@ -10232,7 +10104,7 @@
               <a:buFont typeface="Arial"/>
               <a:buNone/>
             </a:pPr>
-            <a:endParaRPr/>
+            <a:endParaRPr dirty="0"/>
           </a:p>
           <a:p>
             <a:pPr marL="0" lvl="0" indent="0">
@@ -10250,10 +10122,26 @@
               <a:buNone/>
             </a:pPr>
             <a:r>
-              <a:rPr lang="en"/>
-              <a:t>cats = ['talk.politics.misc', 'sci.space']</a:t>
-            </a:r>
-            <a:endParaRPr/>
+              <a:rPr lang="en" dirty="0"/>
+              <a:t>cats = ['</a:t>
+            </a:r>
+            <a:r>
+              <a:rPr lang="en" dirty="0" err="1"/>
+              <a:t>talk.politics.misc</a:t>
+            </a:r>
+            <a:r>
+              <a:rPr lang="en" dirty="0"/>
+              <a:t>', '</a:t>
+            </a:r>
+            <a:r>
+              <a:rPr lang="en" dirty="0" err="1"/>
+              <a:t>sci.space</a:t>
+            </a:r>
+            <a:r>
+              <a:rPr lang="en" dirty="0"/>
+              <a:t>']</a:t>
+            </a:r>
+            <a:endParaRPr dirty="0"/>
           </a:p>
           <a:p>
             <a:pPr marL="0" lvl="0" indent="0">
@@ -10271,10 +10159,14 @@
               <a:buNone/>
             </a:pPr>
             <a:r>
-              <a:rPr lang="en"/>
-              <a:t>newsgroups_train = fetch_20newsgroups(subset='train', categories=cats)</a:t>
-            </a:r>
-            <a:endParaRPr/>
+              <a:rPr lang="en" dirty="0" err="1"/>
+              <a:t>newsgroups_train</a:t>
+            </a:r>
+            <a:r>
+              <a:rPr lang="en" dirty="0"/>
+              <a:t> = fetch_20newsgroups(subset='train', categories=cats)</a:t>
+            </a:r>
+            <a:endParaRPr dirty="0"/>
           </a:p>
           <a:p>
             <a:pPr marL="0" lvl="0" indent="0">
@@ -10291,7 +10183,7 @@
               <a:buFont typeface="Arial"/>
               <a:buNone/>
             </a:pPr>
-            <a:endParaRPr/>
+            <a:endParaRPr dirty="0"/>
           </a:p>
           <a:p>
             <a:pPr marL="0" lvl="0" indent="0">
@@ -10309,10 +10201,10 @@
               <a:buNone/>
             </a:pPr>
             <a:r>
-              <a:rPr lang="en"/>
+              <a:rPr lang="en" dirty="0"/>
               <a:t># process documents                                                                                               </a:t>
             </a:r>
-            <a:endParaRPr/>
+            <a:endParaRPr dirty="0"/>
           </a:p>
           <a:p>
             <a:pPr marL="0" lvl="0" indent="0">
@@ -10330,10 +10222,22 @@
               <a:buNone/>
             </a:pPr>
             <a:r>
-              <a:rPr lang="en"/>
-              <a:t>vectorizer = CountVectorizer(analyzer = "word", binary = True)</a:t>
-            </a:r>
-            <a:endParaRPr/>
+              <a:rPr lang="en" dirty="0" err="1"/>
+              <a:t>vectorizer</a:t>
+            </a:r>
+            <a:r>
+              <a:rPr lang="en" dirty="0"/>
+              <a:t> = </a:t>
+            </a:r>
+            <a:r>
+              <a:rPr lang="en" dirty="0" err="1"/>
+              <a:t>CountVectorizer</a:t>
+            </a:r>
+            <a:r>
+              <a:rPr lang="en" dirty="0"/>
+              <a:t>(analyzer = "word", binary = True)</a:t>
+            </a:r>
+            <a:endParaRPr dirty="0"/>
           </a:p>
           <a:p>
             <a:pPr marL="0" lvl="0" indent="0">
@@ -10351,10 +10255,38 @@
               <a:buNone/>
             </a:pPr>
             <a:r>
-              <a:rPr lang="en"/>
-              <a:t>docarray = vectorizer.fit_transform(newsgroups_train.data).toarray()</a:t>
-            </a:r>
-            <a:endParaRPr/>
+              <a:rPr lang="en" dirty="0" err="1"/>
+              <a:t>docarray</a:t>
+            </a:r>
+            <a:r>
+              <a:rPr lang="en" dirty="0"/>
+              <a:t> = </a:t>
+            </a:r>
+            <a:r>
+              <a:rPr lang="en" dirty="0" err="1"/>
+              <a:t>vectorizer.fit_transform</a:t>
+            </a:r>
+            <a:r>
+              <a:rPr lang="en" dirty="0"/>
+              <a:t>(</a:t>
+            </a:r>
+            <a:r>
+              <a:rPr lang="en" dirty="0" err="1"/>
+              <a:t>newsgroups_train.data</a:t>
+            </a:r>
+            <a:r>
+              <a:rPr lang="en" dirty="0"/>
+              <a:t>).</a:t>
+            </a:r>
+            <a:r>
+              <a:rPr lang="en" dirty="0" err="1"/>
+              <a:t>toarray</a:t>
+            </a:r>
+            <a:r>
+              <a:rPr lang="en" dirty="0"/>
+              <a:t>()</a:t>
+            </a:r>
+            <a:endParaRPr dirty="0"/>
           </a:p>
           <a:p>
             <a:pPr marL="0" lvl="0" indent="0">
@@ -10372,10 +10304,26 @@
               <a:buNone/>
             </a:pPr>
             <a:r>
-              <a:rPr lang="en"/>
-              <a:t>print("docarray shape: {}".format(docarray.shape))</a:t>
-            </a:r>
-            <a:endParaRPr/>
+              <a:rPr lang="en" dirty="0"/>
+              <a:t>print("</a:t>
+            </a:r>
+            <a:r>
+              <a:rPr lang="en" dirty="0" err="1"/>
+              <a:t>docarray</a:t>
+            </a:r>
+            <a:r>
+              <a:rPr lang="en" dirty="0"/>
+              <a:t> shape: {}".format(</a:t>
+            </a:r>
+            <a:r>
+              <a:rPr lang="en" dirty="0" err="1"/>
+              <a:t>docarray.shape</a:t>
+            </a:r>
+            <a:r>
+              <a:rPr lang="en" dirty="0"/>
+              <a:t>))</a:t>
+            </a:r>
+            <a:endParaRPr dirty="0"/>
           </a:p>
           <a:p>
             <a:pPr marL="0" lvl="0" indent="0">
@@ -10392,19 +10340,19 @@
               <a:buFont typeface="Arial"/>
               <a:buNone/>
             </a:pPr>
-            <a:endParaRPr/>
-          </a:p>
-          <a:p>
-            <a:pPr marL="0" lvl="0" indent="0">
-              <a:spcBef>
-                <a:spcPts val="0"/>
-              </a:spcBef>
-              <a:spcAft>
-                <a:spcPts val="0"/>
-              </a:spcAft>
-              <a:buNone/>
-            </a:pPr>
-            <a:endParaRPr/>
+            <a:endParaRPr dirty="0"/>
+          </a:p>
+          <a:p>
+            <a:pPr marL="0" lvl="0" indent="0">
+              <a:spcBef>
+                <a:spcPts val="0"/>
+              </a:spcBef>
+              <a:spcAft>
+                <a:spcPts val="0"/>
+              </a:spcAft>
+              <a:buNone/>
+            </a:pPr>
+            <a:endParaRPr dirty="0"/>
           </a:p>
         </p:txBody>
       </p:sp>
@@ -10495,7 +10443,7 @@
 </p:sld>
 </file>
 
-<file path=ppt/slides/slide16.xml><?xml version="1.0" encoding="utf-8"?>
+<file path=ppt/slides/slide15.xml><?xml version="1.0" encoding="utf-8"?>
 <p:sld xmlns:a="http://schemas.openxmlformats.org/drawingml/2006/main" xmlns:r="http://schemas.openxmlformats.org/officeDocument/2006/relationships" xmlns:p="http://schemas.openxmlformats.org/presentationml/2006/main">
   <p:cSld>
     <p:spTree>
@@ -10708,7 +10656,7 @@
 </p:sld>
 </file>
 
-<file path=ppt/slides/slide17.xml><?xml version="1.0" encoding="utf-8"?>
+<file path=ppt/slides/slide16.xml><?xml version="1.0" encoding="utf-8"?>
 <p:sld xmlns:a="http://schemas.openxmlformats.org/drawingml/2006/main" xmlns:r="http://schemas.openxmlformats.org/officeDocument/2006/relationships" xmlns:p="http://schemas.openxmlformats.org/presentationml/2006/main">
   <p:cSld>
     <p:spTree>
@@ -10852,78 +10800,110 @@
               <a:buNone/>
             </a:pPr>
             <a:r>
-              <a:rPr lang="en" sz="1200"/>
+              <a:rPr lang="en" sz="1200" dirty="0"/>
               <a:t>import pandas</a:t>
             </a:r>
-            <a:endParaRPr sz="1200"/>
-          </a:p>
-          <a:p>
-            <a:pPr marL="0" lvl="0" indent="0">
-              <a:spcBef>
-                <a:spcPts val="0"/>
-              </a:spcBef>
-              <a:spcAft>
-                <a:spcPts val="0"/>
-              </a:spcAft>
-              <a:buNone/>
-            </a:pPr>
-            <a:r>
-              <a:rPr lang="en" sz="1200"/>
-              <a:t>from sklearn.feature_extraction.text import CountVectorizer</a:t>
-            </a:r>
-            <a:endParaRPr sz="1200"/>
-          </a:p>
-          <a:p>
-            <a:pPr marL="0" lvl="0" indent="0">
-              <a:spcBef>
-                <a:spcPts val="0"/>
-              </a:spcBef>
-              <a:spcAft>
-                <a:spcPts val="0"/>
-              </a:spcAft>
-              <a:buNone/>
-            </a:pPr>
-            <a:r>
-              <a:rPr lang="en" sz="1200"/>
-              <a:t>from sklearn.metrics.pairwise import euclidean_distances</a:t>
-            </a:r>
-            <a:endParaRPr sz="1200"/>
-          </a:p>
-          <a:p>
-            <a:pPr marL="0" lvl="0" indent="0">
-              <a:spcBef>
-                <a:spcPts val="0"/>
-              </a:spcBef>
-              <a:spcAft>
-                <a:spcPts val="0"/>
-              </a:spcAft>
-              <a:buNone/>
-            </a:pPr>
-            <a:r>
-              <a:rPr lang="en" sz="1200"/>
-              <a:t>from sklearn.datasets import fetch_20newsgroups</a:t>
-            </a:r>
-            <a:endParaRPr sz="1200"/>
-          </a:p>
-          <a:p>
-            <a:pPr marL="0" lvl="0" indent="0">
-              <a:spcBef>
-                <a:spcPts val="0"/>
-              </a:spcBef>
-              <a:spcAft>
-                <a:spcPts val="0"/>
-              </a:spcAft>
-              <a:buNone/>
-            </a:pPr>
-            <a:r>
-              <a:rPr lang="en" sz="1200">
+            <a:endParaRPr sz="1200" dirty="0"/>
+          </a:p>
+          <a:p>
+            <a:pPr marL="0" lvl="0" indent="0">
+              <a:spcBef>
+                <a:spcPts val="0"/>
+              </a:spcBef>
+              <a:spcAft>
+                <a:spcPts val="0"/>
+              </a:spcAft>
+              <a:buNone/>
+            </a:pPr>
+            <a:r>
+              <a:rPr lang="en" sz="1200" dirty="0"/>
+              <a:t>from </a:t>
+            </a:r>
+            <a:r>
+              <a:rPr lang="en" sz="1200" dirty="0" err="1"/>
+              <a:t>sklearn.feature_extraction.text</a:t>
+            </a:r>
+            <a:r>
+              <a:rPr lang="en" sz="1200" dirty="0"/>
+              <a:t> import </a:t>
+            </a:r>
+            <a:r>
+              <a:rPr lang="en" sz="1200" dirty="0" err="1"/>
+              <a:t>CountVectorizer</a:t>
+            </a:r>
+            <a:endParaRPr sz="1200" dirty="0"/>
+          </a:p>
+          <a:p>
+            <a:pPr marL="0" lvl="0" indent="0">
+              <a:spcBef>
+                <a:spcPts val="0"/>
+              </a:spcBef>
+              <a:spcAft>
+                <a:spcPts val="0"/>
+              </a:spcAft>
+              <a:buNone/>
+            </a:pPr>
+            <a:r>
+              <a:rPr lang="en" sz="1200" dirty="0"/>
+              <a:t>from </a:t>
+            </a:r>
+            <a:r>
+              <a:rPr lang="en" sz="1200" dirty="0" err="1"/>
+              <a:t>sklearn.metrics.pairwise</a:t>
+            </a:r>
+            <a:r>
+              <a:rPr lang="en" sz="1200" dirty="0"/>
+              <a:t> import </a:t>
+            </a:r>
+            <a:r>
+              <a:rPr lang="en" sz="1200" dirty="0" err="1"/>
+              <a:t>euclidean_distances</a:t>
+            </a:r>
+            <a:endParaRPr sz="1200" dirty="0"/>
+          </a:p>
+          <a:p>
+            <a:pPr marL="0" lvl="0" indent="0">
+              <a:spcBef>
+                <a:spcPts val="0"/>
+              </a:spcBef>
+              <a:spcAft>
+                <a:spcPts val="0"/>
+              </a:spcAft>
+              <a:buNone/>
+            </a:pPr>
+            <a:r>
+              <a:rPr lang="en" sz="1200" dirty="0"/>
+              <a:t>from </a:t>
+            </a:r>
+            <a:r>
+              <a:rPr lang="en" sz="1200" dirty="0" err="1"/>
+              <a:t>sklearn.datasets</a:t>
+            </a:r>
+            <a:r>
+              <a:rPr lang="en" sz="1200" dirty="0"/>
+              <a:t> import fetch_20newsgroups</a:t>
+            </a:r>
+            <a:endParaRPr sz="1200" dirty="0"/>
+          </a:p>
+          <a:p>
+            <a:pPr marL="0" lvl="0" indent="0">
+              <a:spcBef>
+                <a:spcPts val="0"/>
+              </a:spcBef>
+              <a:spcAft>
+                <a:spcPts val="0"/>
+              </a:spcAft>
+              <a:buNone/>
+            </a:pPr>
+            <a:r>
+              <a:rPr lang="en" sz="1200" dirty="0">
                 <a:solidFill>
                   <a:srgbClr val="FF0000"/>
                 </a:solidFill>
               </a:rPr>
               <a:t>from re import sub</a:t>
             </a:r>
-            <a:endParaRPr sz="1200">
+            <a:endParaRPr sz="1200" dirty="0">
               <a:solidFill>
                 <a:srgbClr val="FF0000"/>
               </a:solidFill>
@@ -10939,115 +10919,163 @@
               </a:spcAft>
               <a:buNone/>
             </a:pPr>
-            <a:endParaRPr sz="1200"/>
-          </a:p>
-          <a:p>
-            <a:pPr marL="0" lvl="0" indent="0">
-              <a:spcBef>
-                <a:spcPts val="0"/>
-              </a:spcBef>
-              <a:spcAft>
-                <a:spcPts val="0"/>
-              </a:spcAft>
-              <a:buNone/>
-            </a:pPr>
-            <a:r>
-              <a:rPr lang="en" sz="1200"/>
-              <a:t>cats = ['talk.politics.misc', 'sci.space']</a:t>
-            </a:r>
-            <a:endParaRPr sz="1200"/>
-          </a:p>
-          <a:p>
-            <a:pPr marL="0" lvl="0" indent="0">
-              <a:spcBef>
-                <a:spcPts val="0"/>
-              </a:spcBef>
-              <a:spcAft>
-                <a:spcPts val="0"/>
-              </a:spcAft>
-              <a:buNone/>
-            </a:pPr>
-            <a:r>
-              <a:rPr lang="en" sz="1200"/>
-              <a:t>newsgroups_train = fetch_20newsgroups(subset='train', categories=cats)</a:t>
-            </a:r>
-            <a:endParaRPr sz="1200"/>
-          </a:p>
-          <a:p>
-            <a:pPr marL="0" lvl="0" indent="0">
-              <a:spcBef>
-                <a:spcPts val="0"/>
-              </a:spcBef>
-              <a:spcAft>
-                <a:spcPts val="0"/>
-              </a:spcAft>
-              <a:buNone/>
-            </a:pPr>
-            <a:endParaRPr sz="1200"/>
-          </a:p>
-          <a:p>
-            <a:pPr marL="0" lvl="0" indent="0">
-              <a:spcBef>
-                <a:spcPts val="0"/>
-              </a:spcBef>
-              <a:spcAft>
-                <a:spcPts val="0"/>
-              </a:spcAft>
-              <a:buNone/>
-            </a:pPr>
-            <a:r>
-              <a:rPr lang="en" sz="1200"/>
+            <a:endParaRPr sz="1200" dirty="0"/>
+          </a:p>
+          <a:p>
+            <a:pPr marL="0" lvl="0" indent="0">
+              <a:spcBef>
+                <a:spcPts val="0"/>
+              </a:spcBef>
+              <a:spcAft>
+                <a:spcPts val="0"/>
+              </a:spcAft>
+              <a:buNone/>
+            </a:pPr>
+            <a:r>
+              <a:rPr lang="en" sz="1200" dirty="0"/>
+              <a:t>cats = ['</a:t>
+            </a:r>
+            <a:r>
+              <a:rPr lang="en" sz="1200" dirty="0" err="1"/>
+              <a:t>talk.politics.misc</a:t>
+            </a:r>
+            <a:r>
+              <a:rPr lang="en" sz="1200" dirty="0"/>
+              <a:t>', '</a:t>
+            </a:r>
+            <a:r>
+              <a:rPr lang="en" sz="1200" dirty="0" err="1"/>
+              <a:t>sci.space</a:t>
+            </a:r>
+            <a:r>
+              <a:rPr lang="en" sz="1200" dirty="0"/>
+              <a:t>']</a:t>
+            </a:r>
+            <a:endParaRPr sz="1200" dirty="0"/>
+          </a:p>
+          <a:p>
+            <a:pPr marL="0" lvl="0" indent="0">
+              <a:spcBef>
+                <a:spcPts val="0"/>
+              </a:spcBef>
+              <a:spcAft>
+                <a:spcPts val="0"/>
+              </a:spcAft>
+              <a:buNone/>
+            </a:pPr>
+            <a:r>
+              <a:rPr lang="en" sz="1200" dirty="0" err="1"/>
+              <a:t>newsgroups_train</a:t>
+            </a:r>
+            <a:r>
+              <a:rPr lang="en" sz="1200" dirty="0"/>
+              <a:t> = fetch_20newsgroups(subset='train', categories=cats)</a:t>
+            </a:r>
+            <a:endParaRPr sz="1200" dirty="0"/>
+          </a:p>
+          <a:p>
+            <a:pPr marL="0" lvl="0" indent="0">
+              <a:spcBef>
+                <a:spcPts val="0"/>
+              </a:spcBef>
+              <a:spcAft>
+                <a:spcPts val="0"/>
+              </a:spcAft>
+              <a:buNone/>
+            </a:pPr>
+            <a:endParaRPr sz="1200" dirty="0"/>
+          </a:p>
+          <a:p>
+            <a:pPr marL="0" lvl="0" indent="0">
+              <a:spcBef>
+                <a:spcPts val="0"/>
+              </a:spcBef>
+              <a:spcAft>
+                <a:spcPts val="0"/>
+              </a:spcAft>
+              <a:buNone/>
+            </a:pPr>
+            <a:r>
+              <a:rPr lang="en" sz="1200" dirty="0"/>
               <a:t># process documents                                                                                               </a:t>
             </a:r>
-            <a:endParaRPr sz="1200"/>
-          </a:p>
-          <a:p>
-            <a:pPr marL="0" lvl="0" indent="0">
-              <a:spcBef>
-                <a:spcPts val="0"/>
-              </a:spcBef>
-              <a:spcAft>
-                <a:spcPts val="0"/>
-              </a:spcAft>
-              <a:buNone/>
-            </a:pPr>
-            <a:r>
-              <a:rPr lang="en" sz="1200"/>
-              <a:t>vectorizer = CountVectorizer(analyzer = "word", binary = True, </a:t>
-            </a:r>
-            <a:r>
-              <a:rPr lang="en" sz="1200">
+            <a:endParaRPr sz="1200" dirty="0"/>
+          </a:p>
+          <a:p>
+            <a:pPr marL="0" lvl="0" indent="0">
+              <a:spcBef>
+                <a:spcPts val="0"/>
+              </a:spcBef>
+              <a:spcAft>
+                <a:spcPts val="0"/>
+              </a:spcAft>
+              <a:buNone/>
+            </a:pPr>
+            <a:r>
+              <a:rPr lang="en" sz="1200" dirty="0" err="1"/>
+              <a:t>vectorizer</a:t>
+            </a:r>
+            <a:r>
+              <a:rPr lang="en" sz="1200" dirty="0"/>
+              <a:t> = </a:t>
+            </a:r>
+            <a:r>
+              <a:rPr lang="en" sz="1200" dirty="0" err="1"/>
+              <a:t>CountVectorizer</a:t>
+            </a:r>
+            <a:r>
+              <a:rPr lang="en" sz="1200" dirty="0"/>
+              <a:t>(analyzer = "word", binary = True, </a:t>
+            </a:r>
+            <a:r>
+              <a:rPr lang="en" sz="1200" dirty="0" err="1">
                 <a:solidFill>
                   <a:srgbClr val="FF0000"/>
                 </a:solidFill>
               </a:rPr>
-              <a:t>min_df=2</a:t>
-            </a:r>
-            <a:r>
-              <a:rPr lang="en" sz="1200"/>
+              <a:t>min_df</a:t>
+            </a:r>
+            <a:r>
+              <a:rPr lang="en" sz="1200" dirty="0">
+                <a:solidFill>
+                  <a:srgbClr val="FF0000"/>
+                </a:solidFill>
+              </a:rPr>
+              <a:t>=2</a:t>
+            </a:r>
+            <a:r>
+              <a:rPr lang="en" sz="1200" dirty="0"/>
               <a:t>)</a:t>
             </a:r>
-            <a:endParaRPr sz="1200"/>
-          </a:p>
-          <a:p>
-            <a:pPr marL="0" lvl="0" indent="0">
-              <a:spcBef>
-                <a:spcPts val="0"/>
-              </a:spcBef>
-              <a:spcAft>
-                <a:spcPts val="0"/>
-              </a:spcAft>
-              <a:buNone/>
-            </a:pPr>
-            <a:r>
-              <a:rPr lang="en" sz="1200">
+            <a:endParaRPr sz="1200" dirty="0"/>
+          </a:p>
+          <a:p>
+            <a:pPr marL="0" lvl="0" indent="0">
+              <a:spcBef>
+                <a:spcPts val="0"/>
+              </a:spcBef>
+              <a:spcAft>
+                <a:spcPts val="0"/>
+              </a:spcAft>
+              <a:buNone/>
+            </a:pPr>
+            <a:r>
+              <a:rPr lang="en" sz="1200" dirty="0" err="1">
                 <a:solidFill>
                   <a:srgbClr val="FF0000"/>
                 </a:solidFill>
               </a:rPr>
-              <a:t>new_data = []</a:t>
-            </a:r>
-            <a:endParaRPr sz="1200">
+              <a:t>new_data</a:t>
+            </a:r>
+            <a:r>
+              <a:rPr lang="en" sz="1200" dirty="0">
+                <a:solidFill>
+                  <a:srgbClr val="FF0000"/>
+                </a:solidFill>
+              </a:rPr>
+              <a:t> = []</a:t>
+            </a:r>
+            <a:endParaRPr sz="1200" dirty="0">
               <a:solidFill>
                 <a:srgbClr val="FF0000"/>
               </a:solidFill>
@@ -11064,14 +11092,62 @@
               <a:buNone/>
             </a:pPr>
             <a:r>
-              <a:rPr lang="en" sz="1200">
+              <a:rPr lang="en" sz="1200" dirty="0">
                 <a:solidFill>
                   <a:srgbClr val="FF0000"/>
                 </a:solidFill>
               </a:rPr>
-              <a:t>for i in range(len(newsgroups_train.data)):</a:t>
-            </a:r>
-            <a:endParaRPr sz="1200">
+              <a:t>for </a:t>
+            </a:r>
+            <a:r>
+              <a:rPr lang="en" sz="1200" dirty="0" err="1">
+                <a:solidFill>
+                  <a:srgbClr val="FF0000"/>
+                </a:solidFill>
+              </a:rPr>
+              <a:t>i</a:t>
+            </a:r>
+            <a:r>
+              <a:rPr lang="en" sz="1200" dirty="0">
+                <a:solidFill>
+                  <a:srgbClr val="FF0000"/>
+                </a:solidFill>
+              </a:rPr>
+              <a:t> in range(</a:t>
+            </a:r>
+            <a:r>
+              <a:rPr lang="en" sz="1200" dirty="0" err="1">
+                <a:solidFill>
+                  <a:srgbClr val="FF0000"/>
+                </a:solidFill>
+              </a:rPr>
+              <a:t>len</a:t>
+            </a:r>
+            <a:r>
+              <a:rPr lang="en" sz="1200" dirty="0">
+                <a:solidFill>
+                  <a:srgbClr val="FF0000"/>
+                </a:solidFill>
+              </a:rPr>
+              <a:t>(</a:t>
+            </a:r>
+            <a:r>
+              <a:rPr lang="en" sz="1200" dirty="0" err="1">
+                <a:solidFill>
+                  <a:srgbClr val="FF0000"/>
+                </a:solidFill>
+              </a:rPr>
+              <a:t>newsgroups_train.data</a:t>
+            </a:r>
+            <a:r>
+              <a:rPr lang="en" sz="1200" dirty="0">
+                <a:solidFill>
+                  <a:srgbClr val="FF0000"/>
+                </a:solidFill>
+              </a:rPr>
+              <a:t>)):</a:t>
+            </a:r>
+            <a:endParaRPr sz="1200" dirty="0">
               <a:solidFill>
                 <a:srgbClr val="FF0000"/>
               </a:solidFill>
@@ -11088,14 +11164,78 @@
               <a:buNone/>
             </a:pPr>
             <a:r>
-              <a:rPr lang="en" sz="1200">
+              <a:rPr lang="en" sz="1200" dirty="0">
                 <a:solidFill>
                   <a:srgbClr val="FF0000"/>
                 </a:solidFill>
               </a:rPr>
-              <a:t>    new_data.append(sub("[^a-zA-Z]", " ", newsgroups_train.data[i]))</a:t>
-            </a:r>
-            <a:endParaRPr sz="1200">
+              <a:t>    </a:t>
+            </a:r>
+            <a:r>
+              <a:rPr lang="en" sz="1200" dirty="0" err="1">
+                <a:solidFill>
+                  <a:srgbClr val="FF0000"/>
+                </a:solidFill>
+              </a:rPr>
+              <a:t>new_data.append</a:t>
+            </a:r>
+            <a:r>
+              <a:rPr lang="en" sz="1200" dirty="0">
+                <a:solidFill>
+                  <a:srgbClr val="FF0000"/>
+                </a:solidFill>
+              </a:rPr>
+              <a:t>(sub("[^a-</a:t>
+            </a:r>
+            <a:r>
+              <a:rPr lang="en" sz="1200" dirty="0" err="1">
+                <a:solidFill>
+                  <a:srgbClr val="FF0000"/>
+                </a:solidFill>
+              </a:rPr>
+              <a:t>zA</a:t>
+            </a:r>
+            <a:r>
+              <a:rPr lang="en" sz="1200" dirty="0">
+                <a:solidFill>
+                  <a:srgbClr val="FF0000"/>
+                </a:solidFill>
+              </a:rPr>
+              <a:t>-Z]", " ", </a:t>
+            </a:r>
+            <a:r>
+              <a:rPr lang="en" sz="1200" dirty="0" err="1">
+                <a:solidFill>
+                  <a:srgbClr val="FF0000"/>
+                </a:solidFill>
+              </a:rPr>
+              <a:t>newsgroups_train.data</a:t>
+            </a:r>
+            <a:r>
+              <a:rPr lang="en" sz="1200" dirty="0">
+                <a:solidFill>
+                  <a:srgbClr val="FF0000"/>
+                </a:solidFill>
+              </a:rPr>
+              <a:t>[</a:t>
+            </a:r>
+            <a:r>
+              <a:rPr lang="en" sz="1200" dirty="0" err="1">
+                <a:solidFill>
+                  <a:srgbClr val="FF0000"/>
+                </a:solidFill>
+              </a:rPr>
+              <a:t>i</a:t>
+            </a:r>
+            <a:r>
+              <a:rPr lang="en" sz="1200" dirty="0">
+                <a:solidFill>
+                  <a:srgbClr val="FF0000"/>
+                </a:solidFill>
+              </a:rPr>
+              <a:t>]))</a:t>
+            </a:r>
+            <a:endParaRPr sz="1200" dirty="0">
               <a:solidFill>
                 <a:srgbClr val="FF0000"/>
               </a:solidFill>
@@ -11112,70 +11252,126 @@
               <a:buNone/>
             </a:pPr>
             <a:r>
-              <a:rPr lang="en" sz="1200"/>
-              <a:t>docarray = vectorizer.fit_transform(new_data).toarray()</a:t>
-            </a:r>
-            <a:endParaRPr sz="1200"/>
-          </a:p>
-          <a:p>
-            <a:pPr marL="0" lvl="0" indent="0">
-              <a:spcBef>
-                <a:spcPts val="0"/>
-              </a:spcBef>
-              <a:spcAft>
-                <a:spcPts val="0"/>
-              </a:spcAft>
-              <a:buNone/>
-            </a:pPr>
-            <a:r>
-              <a:rPr lang="en" sz="1200"/>
-              <a:t>coords = vectorizer.get_feature_names()</a:t>
-            </a:r>
-            <a:endParaRPr sz="1200"/>
-          </a:p>
-          <a:p>
-            <a:pPr marL="0" lvl="0" indent="0">
-              <a:spcBef>
-                <a:spcPts val="0"/>
-              </a:spcBef>
-              <a:spcAft>
-                <a:spcPts val="0"/>
-              </a:spcAft>
-              <a:buNone/>
-            </a:pPr>
-            <a:r>
-              <a:rPr lang="en" sz="1200"/>
+              <a:rPr lang="en" sz="1200" dirty="0" err="1"/>
+              <a:t>docarray</a:t>
+            </a:r>
+            <a:r>
+              <a:rPr lang="en" sz="1200" dirty="0"/>
+              <a:t> = </a:t>
+            </a:r>
+            <a:r>
+              <a:rPr lang="en" sz="1200" dirty="0" err="1"/>
+              <a:t>vectorizer.fit_transform</a:t>
+            </a:r>
+            <a:r>
+              <a:rPr lang="en" sz="1200" dirty="0"/>
+              <a:t>(</a:t>
+            </a:r>
+            <a:r>
+              <a:rPr lang="en" sz="1200" dirty="0" err="1"/>
+              <a:t>new_data</a:t>
+            </a:r>
+            <a:r>
+              <a:rPr lang="en" sz="1200" dirty="0"/>
+              <a:t>).</a:t>
+            </a:r>
+            <a:r>
+              <a:rPr lang="en" sz="1200" dirty="0" err="1"/>
+              <a:t>toarray</a:t>
+            </a:r>
+            <a:r>
+              <a:rPr lang="en" sz="1200" dirty="0"/>
+              <a:t>()</a:t>
+            </a:r>
+            <a:endParaRPr sz="1200" dirty="0"/>
+          </a:p>
+          <a:p>
+            <a:pPr marL="0" lvl="0" indent="0">
+              <a:spcBef>
+                <a:spcPts val="0"/>
+              </a:spcBef>
+              <a:spcAft>
+                <a:spcPts val="0"/>
+              </a:spcAft>
+              <a:buNone/>
+            </a:pPr>
+            <a:r>
+              <a:rPr lang="en" sz="1200" dirty="0" err="1"/>
+              <a:t>coords</a:t>
+            </a:r>
+            <a:r>
+              <a:rPr lang="en" sz="1200" dirty="0"/>
+              <a:t> = </a:t>
+            </a:r>
+            <a:r>
+              <a:rPr lang="en" sz="1200" dirty="0" err="1"/>
+              <a:t>vectorizer.get_feature_names</a:t>
+            </a:r>
+            <a:r>
+              <a:rPr lang="en" sz="1200" dirty="0"/>
+              <a:t>()</a:t>
+            </a:r>
+            <a:endParaRPr sz="1200" dirty="0"/>
+          </a:p>
+          <a:p>
+            <a:pPr marL="0" lvl="0" indent="0">
+              <a:spcBef>
+                <a:spcPts val="0"/>
+              </a:spcBef>
+              <a:spcAft>
+                <a:spcPts val="0"/>
+              </a:spcAft>
+              <a:buNone/>
+            </a:pPr>
+            <a:r>
+              <a:rPr lang="en" sz="1200" dirty="0"/>
               <a:t>                                                                                                 </a:t>
             </a:r>
-            <a:endParaRPr sz="1200"/>
-          </a:p>
-          <a:p>
-            <a:pPr marL="0" lvl="0" indent="0">
-              <a:spcBef>
-                <a:spcPts val="0"/>
-              </a:spcBef>
-              <a:spcAft>
-                <a:spcPts val="0"/>
-              </a:spcAft>
-              <a:buNone/>
-            </a:pPr>
-            <a:r>
-              <a:rPr lang="en" sz="1200"/>
-              <a:t>print("docarray shape: {}".format(docarray.shape))</a:t>
-            </a:r>
-            <a:endParaRPr sz="1200"/>
-          </a:p>
-          <a:p>
-            <a:pPr marL="0" lvl="0" indent="0">
-              <a:spcBef>
-                <a:spcPts val="0"/>
-              </a:spcBef>
-              <a:spcAft>
-                <a:spcPts val="0"/>
-              </a:spcAft>
-              <a:buNone/>
-            </a:pPr>
-            <a:endParaRPr sz="1200"/>
+            <a:endParaRPr sz="1200" dirty="0"/>
+          </a:p>
+          <a:p>
+            <a:pPr marL="0" lvl="0" indent="0">
+              <a:spcBef>
+                <a:spcPts val="0"/>
+              </a:spcBef>
+              <a:spcAft>
+                <a:spcPts val="0"/>
+              </a:spcAft>
+              <a:buNone/>
+            </a:pPr>
+            <a:r>
+              <a:rPr lang="en" sz="1200" dirty="0"/>
+              <a:t>print("</a:t>
+            </a:r>
+            <a:r>
+              <a:rPr lang="en" sz="1200" dirty="0" err="1"/>
+              <a:t>docarray</a:t>
+            </a:r>
+            <a:r>
+              <a:rPr lang="en" sz="1200" dirty="0"/>
+              <a:t> shape: {}".format(</a:t>
+            </a:r>
+            <a:r>
+              <a:rPr lang="en" sz="1200" dirty="0" err="1"/>
+              <a:t>docarray.shape</a:t>
+            </a:r>
+            <a:r>
+              <a:rPr lang="en" sz="1200" dirty="0"/>
+              <a:t>))</a:t>
+            </a:r>
+            <a:endParaRPr sz="1200" dirty="0"/>
+          </a:p>
+          <a:p>
+            <a:pPr marL="0" lvl="0" indent="0">
+              <a:spcBef>
+                <a:spcPts val="0"/>
+              </a:spcBef>
+              <a:spcAft>
+                <a:spcPts val="0"/>
+              </a:spcAft>
+              <a:buNone/>
+            </a:pPr>
+            <a:endParaRPr sz="1200" dirty="0"/>
           </a:p>
           <a:p>
             <a:pPr marL="0" lvl="0" indent="0" rtl="0">
@@ -11187,7 +11383,7 @@
               </a:spcAft>
               <a:buNone/>
             </a:pPr>
-            <a:endParaRPr/>
+            <a:endParaRPr dirty="0"/>
           </a:p>
           <a:p>
             <a:pPr marL="0" lvl="0" indent="0" rtl="0">
@@ -11199,7 +11395,7 @@
               </a:spcAft>
               <a:buNone/>
             </a:pPr>
-            <a:endParaRPr/>
+            <a:endParaRPr dirty="0"/>
           </a:p>
           <a:p>
             <a:pPr marL="0" lvl="0" indent="0" rtl="0">
@@ -11211,7 +11407,7 @@
               </a:spcAft>
               <a:buNone/>
             </a:pPr>
-            <a:endParaRPr/>
+            <a:endParaRPr dirty="0"/>
           </a:p>
         </p:txBody>
       </p:sp>
@@ -11297,7 +11493,7 @@
 </p:sld>
 </file>
 
-<file path=ppt/slides/slide18.xml><?xml version="1.0" encoding="utf-8"?>
+<file path=ppt/slides/slide17.xml><?xml version="1.0" encoding="utf-8"?>
 <p:sld xmlns:a="http://schemas.openxmlformats.org/drawingml/2006/main" xmlns:r="http://schemas.openxmlformats.org/officeDocument/2006/relationships" xmlns:p="http://schemas.openxmlformats.org/presentationml/2006/main">
   <p:cSld>
     <p:spTree>
@@ -11471,7 +11667,7 @@
 </p:sld>
 </file>
 
-<file path=ppt/slides/slide19.xml><?xml version="1.0" encoding="utf-8"?>
+<file path=ppt/slides/slide18.xml><?xml version="1.0" encoding="utf-8"?>
 <p:sld xmlns:a="http://schemas.openxmlformats.org/drawingml/2006/main" xmlns:r="http://schemas.openxmlformats.org/officeDocument/2006/relationships" xmlns:p="http://schemas.openxmlformats.org/presentationml/2006/main">
   <p:cSld>
     <p:spTree>
@@ -11601,6 +11797,1501 @@
               <a:t>A stemming algorithm reduces the words "fishing", "fished", and "fisher" to the root word, "fish".</a:t>
             </a:r>
             <a:endParaRPr/>
+          </a:p>
+        </p:txBody>
+      </p:sp>
+    </p:spTree>
+  </p:cSld>
+  <p:clrMapOvr>
+    <a:masterClrMapping/>
+  </p:clrMapOvr>
+</p:sld>
+</file>
+
+<file path=ppt/slides/slide19.xml><?xml version="1.0" encoding="utf-8"?>
+<p:sld xmlns:a="http://schemas.openxmlformats.org/drawingml/2006/main" xmlns:r="http://schemas.openxmlformats.org/officeDocument/2006/relationships" xmlns:p="http://schemas.openxmlformats.org/presentationml/2006/main">
+  <p:cSld>
+    <p:spTree>
+      <p:nvGrpSpPr>
+        <p:cNvPr id="1" name="Shape 179"/>
+        <p:cNvGrpSpPr/>
+        <p:nvPr/>
+      </p:nvGrpSpPr>
+      <p:grpSpPr>
+        <a:xfrm>
+          <a:off x="0" y="0"/>
+          <a:ext cx="0" cy="0"/>
+          <a:chOff x="0" y="0"/>
+          <a:chExt cx="0" cy="0"/>
+        </a:xfrm>
+      </p:grpSpPr>
+      <p:sp>
+        <p:nvSpPr>
+          <p:cNvPr id="180" name="Shape 180"/>
+          <p:cNvSpPr txBox="1">
+            <a:spLocks noGrp="1"/>
+          </p:cNvSpPr>
+          <p:nvPr>
+            <p:ph type="title"/>
+          </p:nvPr>
+        </p:nvSpPr>
+        <p:spPr>
+          <a:xfrm>
+            <a:off x="311700" y="445025"/>
+            <a:ext cx="8520600" cy="572700"/>
+          </a:xfrm>
+          <a:prstGeom prst="rect">
+            <a:avLst/>
+          </a:prstGeom>
+        </p:spPr>
+        <p:txBody>
+          <a:bodyPr spcFirstLastPara="1" wrap="square" lIns="91425" tIns="91425" rIns="91425" bIns="91425" anchor="t" anchorCtr="0">
+            <a:noAutofit/>
+          </a:bodyPr>
+          <a:lstStyle/>
+          <a:p>
+            <a:pPr marL="0" lvl="0" indent="0" rtl="0">
+              <a:spcBef>
+                <a:spcPts val="0"/>
+              </a:spcBef>
+              <a:spcAft>
+                <a:spcPts val="0"/>
+              </a:spcAft>
+              <a:buNone/>
+            </a:pPr>
+            <a:r>
+              <a:rPr lang="en"/>
+              <a:t>Real World Data</a:t>
+            </a:r>
+            <a:endParaRPr/>
+          </a:p>
+        </p:txBody>
+      </p:sp>
+      <p:sp>
+        <p:nvSpPr>
+          <p:cNvPr id="181" name="Shape 181"/>
+          <p:cNvSpPr txBox="1"/>
+          <p:nvPr/>
+        </p:nvSpPr>
+        <p:spPr>
+          <a:xfrm>
+            <a:off x="311700" y="941525"/>
+            <a:ext cx="6100800" cy="4068000"/>
+          </a:xfrm>
+          <a:prstGeom prst="rect">
+            <a:avLst/>
+          </a:prstGeom>
+          <a:solidFill>
+            <a:schemeClr val="lt2"/>
+          </a:solidFill>
+          <a:ln w="9525" cap="flat" cmpd="sng">
+            <a:solidFill>
+              <a:srgbClr val="000000"/>
+            </a:solidFill>
+            <a:prstDash val="solid"/>
+            <a:round/>
+            <a:headEnd type="none" w="sm" len="sm"/>
+            <a:tailEnd type="none" w="sm" len="sm"/>
+          </a:ln>
+        </p:spPr>
+        <p:txBody>
+          <a:bodyPr spcFirstLastPara="1" wrap="square" lIns="91425" tIns="91425" rIns="91425" bIns="91425" anchor="t" anchorCtr="0">
+            <a:noAutofit/>
+          </a:bodyPr>
+          <a:lstStyle/>
+          <a:p>
+            <a:pPr marL="0" lvl="0" indent="0">
+              <a:spcBef>
+                <a:spcPts val="0"/>
+              </a:spcBef>
+              <a:spcAft>
+                <a:spcPts val="0"/>
+              </a:spcAft>
+              <a:buNone/>
+            </a:pPr>
+            <a:r>
+              <a:rPr lang="en" sz="1000" dirty="0"/>
+              <a:t>import pandas</a:t>
+            </a:r>
+            <a:endParaRPr sz="1000" dirty="0"/>
+          </a:p>
+          <a:p>
+            <a:pPr marL="0" lvl="0" indent="0">
+              <a:spcBef>
+                <a:spcPts val="0"/>
+              </a:spcBef>
+              <a:spcAft>
+                <a:spcPts val="0"/>
+              </a:spcAft>
+              <a:buNone/>
+            </a:pPr>
+            <a:r>
+              <a:rPr lang="en" sz="1000" dirty="0"/>
+              <a:t>from </a:t>
+            </a:r>
+            <a:r>
+              <a:rPr lang="en" sz="1000" dirty="0" err="1"/>
+              <a:t>sklearn.feature_extraction.text</a:t>
+            </a:r>
+            <a:r>
+              <a:rPr lang="en" sz="1000" dirty="0"/>
+              <a:t> import </a:t>
+            </a:r>
+            <a:r>
+              <a:rPr lang="en" sz="1000" dirty="0" err="1"/>
+              <a:t>CountVectorizer</a:t>
+            </a:r>
+            <a:endParaRPr sz="1000" dirty="0"/>
+          </a:p>
+          <a:p>
+            <a:pPr marL="0" lvl="0" indent="0">
+              <a:spcBef>
+                <a:spcPts val="0"/>
+              </a:spcBef>
+              <a:spcAft>
+                <a:spcPts val="0"/>
+              </a:spcAft>
+              <a:buNone/>
+            </a:pPr>
+            <a:r>
+              <a:rPr lang="en" sz="1000" dirty="0"/>
+              <a:t>from </a:t>
+            </a:r>
+            <a:r>
+              <a:rPr lang="en" sz="1000" dirty="0" err="1"/>
+              <a:t>sklearn.metrics.pairwise</a:t>
+            </a:r>
+            <a:r>
+              <a:rPr lang="en" sz="1000" dirty="0"/>
+              <a:t> import </a:t>
+            </a:r>
+            <a:r>
+              <a:rPr lang="en" sz="1000" dirty="0" err="1"/>
+              <a:t>euclidean_distances</a:t>
+            </a:r>
+            <a:endParaRPr sz="1000" dirty="0"/>
+          </a:p>
+          <a:p>
+            <a:pPr marL="0" lvl="0" indent="0">
+              <a:spcBef>
+                <a:spcPts val="0"/>
+              </a:spcBef>
+              <a:spcAft>
+                <a:spcPts val="0"/>
+              </a:spcAft>
+              <a:buNone/>
+            </a:pPr>
+            <a:r>
+              <a:rPr lang="en" sz="1000" dirty="0"/>
+              <a:t>from </a:t>
+            </a:r>
+            <a:r>
+              <a:rPr lang="en" sz="1000" dirty="0" err="1"/>
+              <a:t>sklearn.datasets</a:t>
+            </a:r>
+            <a:r>
+              <a:rPr lang="en" sz="1000" dirty="0"/>
+              <a:t> import fetch_20newsgroups</a:t>
+            </a:r>
+            <a:endParaRPr sz="1000" dirty="0"/>
+          </a:p>
+          <a:p>
+            <a:pPr marL="0" lvl="0" indent="0">
+              <a:spcBef>
+                <a:spcPts val="0"/>
+              </a:spcBef>
+              <a:spcAft>
+                <a:spcPts val="0"/>
+              </a:spcAft>
+              <a:buNone/>
+            </a:pPr>
+            <a:r>
+              <a:rPr lang="en" sz="1000" dirty="0"/>
+              <a:t>from re import sub</a:t>
+            </a:r>
+            <a:endParaRPr sz="1000" dirty="0"/>
+          </a:p>
+          <a:p>
+            <a:pPr marL="0" lvl="0" indent="0">
+              <a:spcBef>
+                <a:spcPts val="0"/>
+              </a:spcBef>
+              <a:spcAft>
+                <a:spcPts val="0"/>
+              </a:spcAft>
+              <a:buNone/>
+            </a:pPr>
+            <a:r>
+              <a:rPr lang="en" sz="1000" dirty="0"/>
+              <a:t>f</a:t>
+            </a:r>
+            <a:r>
+              <a:rPr lang="en" sz="1000" dirty="0">
+                <a:solidFill>
+                  <a:srgbClr val="FF0000"/>
+                </a:solidFill>
+              </a:rPr>
+              <a:t>rom </a:t>
+            </a:r>
+            <a:r>
+              <a:rPr lang="en" sz="1000" dirty="0" err="1">
+                <a:solidFill>
+                  <a:srgbClr val="FF0000"/>
+                </a:solidFill>
+              </a:rPr>
+              <a:t>nltk.stem</a:t>
+            </a:r>
+            <a:r>
+              <a:rPr lang="en" sz="1000" dirty="0">
+                <a:solidFill>
+                  <a:srgbClr val="FF0000"/>
+                </a:solidFill>
+              </a:rPr>
+              <a:t> import </a:t>
+            </a:r>
+            <a:r>
+              <a:rPr lang="en" sz="1000" dirty="0" err="1">
+                <a:solidFill>
+                  <a:srgbClr val="FF0000"/>
+                </a:solidFill>
+              </a:rPr>
+              <a:t>PorterStemmer</a:t>
+            </a:r>
+            <a:endParaRPr sz="1000" dirty="0">
+              <a:solidFill>
+                <a:srgbClr val="FF0000"/>
+              </a:solidFill>
+            </a:endParaRPr>
+          </a:p>
+          <a:p>
+            <a:pPr marL="0" lvl="0" indent="0">
+              <a:spcBef>
+                <a:spcPts val="0"/>
+              </a:spcBef>
+              <a:spcAft>
+                <a:spcPts val="0"/>
+              </a:spcAft>
+              <a:buNone/>
+            </a:pPr>
+            <a:endParaRPr sz="1000" dirty="0"/>
+          </a:p>
+          <a:p>
+            <a:pPr marL="0" lvl="0" indent="0">
+              <a:spcBef>
+                <a:spcPts val="0"/>
+              </a:spcBef>
+              <a:spcAft>
+                <a:spcPts val="0"/>
+              </a:spcAft>
+              <a:buNone/>
+            </a:pPr>
+            <a:r>
+              <a:rPr lang="en" sz="1000" dirty="0"/>
+              <a:t>stemmer = </a:t>
+            </a:r>
+            <a:r>
+              <a:rPr lang="en" sz="1000" dirty="0" err="1"/>
+              <a:t>PorterStemmer</a:t>
+            </a:r>
+            <a:r>
+              <a:rPr lang="en" sz="1000" dirty="0"/>
+              <a:t>()</a:t>
+            </a:r>
+            <a:endParaRPr sz="1000" dirty="0"/>
+          </a:p>
+          <a:p>
+            <a:pPr marL="0" lvl="0" indent="0">
+              <a:spcBef>
+                <a:spcPts val="0"/>
+              </a:spcBef>
+              <a:spcAft>
+                <a:spcPts val="0"/>
+              </a:spcAft>
+              <a:buNone/>
+            </a:pPr>
+            <a:r>
+              <a:rPr lang="en" sz="1000" dirty="0"/>
+              <a:t>cats = ['</a:t>
+            </a:r>
+            <a:r>
+              <a:rPr lang="en" sz="1000" dirty="0" err="1"/>
+              <a:t>talk.politics.misc</a:t>
+            </a:r>
+            <a:r>
+              <a:rPr lang="en" sz="1000" dirty="0"/>
+              <a:t>', '</a:t>
+            </a:r>
+            <a:r>
+              <a:rPr lang="en" sz="1000" dirty="0" err="1"/>
+              <a:t>sci.space</a:t>
+            </a:r>
+            <a:r>
+              <a:rPr lang="en" sz="1000" dirty="0"/>
+              <a:t>']</a:t>
+            </a:r>
+            <a:endParaRPr sz="1000" dirty="0"/>
+          </a:p>
+          <a:p>
+            <a:pPr marL="0" lvl="0" indent="0">
+              <a:spcBef>
+                <a:spcPts val="0"/>
+              </a:spcBef>
+              <a:spcAft>
+                <a:spcPts val="0"/>
+              </a:spcAft>
+              <a:buNone/>
+            </a:pPr>
+            <a:r>
+              <a:rPr lang="en" sz="1000" dirty="0" err="1"/>
+              <a:t>newsgroups_train</a:t>
+            </a:r>
+            <a:r>
+              <a:rPr lang="en" sz="1000" dirty="0"/>
+              <a:t> = fetch_20newsgroups(subset='train', categories=cats)</a:t>
+            </a:r>
+            <a:endParaRPr sz="1000" dirty="0"/>
+          </a:p>
+          <a:p>
+            <a:pPr marL="0" lvl="0" indent="0">
+              <a:spcBef>
+                <a:spcPts val="0"/>
+              </a:spcBef>
+              <a:spcAft>
+                <a:spcPts val="0"/>
+              </a:spcAft>
+              <a:buNone/>
+            </a:pPr>
+            <a:endParaRPr sz="1000" dirty="0"/>
+          </a:p>
+          <a:p>
+            <a:pPr marL="0" lvl="0" indent="0">
+              <a:spcBef>
+                <a:spcPts val="0"/>
+              </a:spcBef>
+              <a:spcAft>
+                <a:spcPts val="0"/>
+              </a:spcAft>
+              <a:buNone/>
+            </a:pPr>
+            <a:r>
+              <a:rPr lang="en" sz="1000" dirty="0" err="1"/>
+              <a:t>new_data</a:t>
+            </a:r>
+            <a:r>
+              <a:rPr lang="en" sz="1000" dirty="0"/>
+              <a:t> = []</a:t>
+            </a:r>
+            <a:endParaRPr sz="1000" dirty="0"/>
+          </a:p>
+          <a:p>
+            <a:pPr marL="0" lvl="0" indent="0">
+              <a:spcBef>
+                <a:spcPts val="0"/>
+              </a:spcBef>
+              <a:spcAft>
+                <a:spcPts val="0"/>
+              </a:spcAft>
+              <a:buNone/>
+            </a:pPr>
+            <a:r>
+              <a:rPr lang="en" sz="1000" dirty="0"/>
+              <a:t>for </a:t>
+            </a:r>
+            <a:r>
+              <a:rPr lang="en" sz="1000" dirty="0" err="1"/>
+              <a:t>i</a:t>
+            </a:r>
+            <a:r>
+              <a:rPr lang="en" sz="1000" dirty="0"/>
+              <a:t> in range(</a:t>
+            </a:r>
+            <a:r>
+              <a:rPr lang="en" sz="1000" dirty="0" err="1"/>
+              <a:t>len</a:t>
+            </a:r>
+            <a:r>
+              <a:rPr lang="en" sz="1000" dirty="0"/>
+              <a:t>(</a:t>
+            </a:r>
+            <a:r>
+              <a:rPr lang="en" sz="1000" dirty="0" err="1"/>
+              <a:t>newsgroups_train.data</a:t>
+            </a:r>
+            <a:r>
+              <a:rPr lang="en" sz="1000" dirty="0"/>
+              <a:t>)):</a:t>
+            </a:r>
+            <a:endParaRPr sz="1000" dirty="0"/>
+          </a:p>
+          <a:p>
+            <a:pPr marL="0" lvl="0" indent="0">
+              <a:spcBef>
+                <a:spcPts val="0"/>
+              </a:spcBef>
+              <a:spcAft>
+                <a:spcPts val="0"/>
+              </a:spcAft>
+              <a:buNone/>
+            </a:pPr>
+            <a:r>
+              <a:rPr lang="en" sz="1000" dirty="0"/>
+              <a:t>    </a:t>
+            </a:r>
+            <a:r>
+              <a:rPr lang="en" sz="1000" dirty="0" err="1"/>
+              <a:t>new_data.append</a:t>
+            </a:r>
+            <a:r>
+              <a:rPr lang="en" sz="1000" dirty="0"/>
+              <a:t>(sub("[^a-</a:t>
+            </a:r>
+            <a:r>
+              <a:rPr lang="en" sz="1000" dirty="0" err="1"/>
+              <a:t>zA</a:t>
+            </a:r>
+            <a:r>
+              <a:rPr lang="en" sz="1000" dirty="0"/>
+              <a:t>-Z]", " ", </a:t>
+            </a:r>
+            <a:r>
+              <a:rPr lang="en" sz="1000" dirty="0" err="1"/>
+              <a:t>newsgroups_train.data</a:t>
+            </a:r>
+            <a:r>
+              <a:rPr lang="en" sz="1000" dirty="0"/>
+              <a:t>[</a:t>
+            </a:r>
+            <a:r>
+              <a:rPr lang="en" sz="1000" dirty="0" err="1"/>
+              <a:t>i</a:t>
+            </a:r>
+            <a:r>
+              <a:rPr lang="en" sz="1000" dirty="0"/>
+              <a:t>]))</a:t>
+            </a:r>
+            <a:endParaRPr sz="1000" dirty="0"/>
+          </a:p>
+          <a:p>
+            <a:pPr marL="0" lvl="0" indent="0">
+              <a:spcBef>
+                <a:spcPts val="0"/>
+              </a:spcBef>
+              <a:spcAft>
+                <a:spcPts val="0"/>
+              </a:spcAft>
+              <a:buNone/>
+            </a:pPr>
+            <a:endParaRPr sz="1000" dirty="0"/>
+          </a:p>
+          <a:p>
+            <a:pPr marL="0" lvl="0" indent="0">
+              <a:spcBef>
+                <a:spcPts val="0"/>
+              </a:spcBef>
+              <a:spcAft>
+                <a:spcPts val="0"/>
+              </a:spcAft>
+              <a:buNone/>
+            </a:pPr>
+            <a:r>
+              <a:rPr lang="en" sz="1000" dirty="0" err="1"/>
+              <a:t>l</a:t>
+            </a:r>
+            <a:r>
+              <a:rPr lang="en" sz="1000" dirty="0" err="1">
+                <a:solidFill>
+                  <a:srgbClr val="FF0000"/>
+                </a:solidFill>
+              </a:rPr>
+              <a:t>owercase_data</a:t>
+            </a:r>
+            <a:r>
+              <a:rPr lang="en" sz="1000" dirty="0">
+                <a:solidFill>
+                  <a:srgbClr val="FF0000"/>
+                </a:solidFill>
+              </a:rPr>
+              <a:t> = []</a:t>
+            </a:r>
+            <a:endParaRPr sz="1000" dirty="0">
+              <a:solidFill>
+                <a:srgbClr val="FF0000"/>
+              </a:solidFill>
+            </a:endParaRPr>
+          </a:p>
+          <a:p>
+            <a:pPr marL="0" lvl="0" indent="0">
+              <a:spcBef>
+                <a:spcPts val="0"/>
+              </a:spcBef>
+              <a:spcAft>
+                <a:spcPts val="0"/>
+              </a:spcAft>
+              <a:buNone/>
+            </a:pPr>
+            <a:r>
+              <a:rPr lang="en" sz="1000" dirty="0">
+                <a:solidFill>
+                  <a:srgbClr val="FF0000"/>
+                </a:solidFill>
+              </a:rPr>
+              <a:t>for </a:t>
+            </a:r>
+            <a:r>
+              <a:rPr lang="en" sz="1000" dirty="0" err="1">
+                <a:solidFill>
+                  <a:srgbClr val="FF0000"/>
+                </a:solidFill>
+              </a:rPr>
+              <a:t>i</a:t>
+            </a:r>
+            <a:r>
+              <a:rPr lang="en" sz="1000" dirty="0">
+                <a:solidFill>
+                  <a:srgbClr val="FF0000"/>
+                </a:solidFill>
+              </a:rPr>
+              <a:t> in range(</a:t>
+            </a:r>
+            <a:r>
+              <a:rPr lang="en" sz="1000" dirty="0" err="1">
+                <a:solidFill>
+                  <a:srgbClr val="FF0000"/>
+                </a:solidFill>
+              </a:rPr>
+              <a:t>len</a:t>
+            </a:r>
+            <a:r>
+              <a:rPr lang="en" sz="1000" dirty="0">
+                <a:solidFill>
+                  <a:srgbClr val="FF0000"/>
+                </a:solidFill>
+              </a:rPr>
+              <a:t>(</a:t>
+            </a:r>
+            <a:r>
+              <a:rPr lang="en" sz="1000" dirty="0" err="1">
+                <a:solidFill>
+                  <a:srgbClr val="FF0000"/>
+                </a:solidFill>
+              </a:rPr>
+              <a:t>new_data</a:t>
+            </a:r>
+            <a:r>
+              <a:rPr lang="en" sz="1000" dirty="0">
+                <a:solidFill>
+                  <a:srgbClr val="FF0000"/>
+                </a:solidFill>
+              </a:rPr>
+              <a:t>)):</a:t>
+            </a:r>
+            <a:endParaRPr sz="1000" dirty="0">
+              <a:solidFill>
+                <a:srgbClr val="FF0000"/>
+              </a:solidFill>
+            </a:endParaRPr>
+          </a:p>
+          <a:p>
+            <a:pPr marL="0" lvl="0" indent="0">
+              <a:spcBef>
+                <a:spcPts val="0"/>
+              </a:spcBef>
+              <a:spcAft>
+                <a:spcPts val="0"/>
+              </a:spcAft>
+              <a:buNone/>
+            </a:pPr>
+            <a:r>
+              <a:rPr lang="en" sz="1000" dirty="0">
+                <a:solidFill>
+                  <a:srgbClr val="FF0000"/>
+                </a:solidFill>
+              </a:rPr>
+              <a:t>    </a:t>
+            </a:r>
+            <a:r>
+              <a:rPr lang="en" sz="1000" dirty="0" err="1">
+                <a:solidFill>
+                  <a:srgbClr val="FF0000"/>
+                </a:solidFill>
+              </a:rPr>
+              <a:t>lowercase_data.append</a:t>
+            </a:r>
+            <a:r>
+              <a:rPr lang="en" sz="1000" dirty="0">
+                <a:solidFill>
+                  <a:srgbClr val="FF0000"/>
+                </a:solidFill>
+              </a:rPr>
+              <a:t>(</a:t>
+            </a:r>
+            <a:r>
+              <a:rPr lang="en" sz="1000" dirty="0" err="1">
+                <a:solidFill>
+                  <a:srgbClr val="FF0000"/>
+                </a:solidFill>
+              </a:rPr>
+              <a:t>new_data</a:t>
+            </a:r>
+            <a:r>
+              <a:rPr lang="en" sz="1000" dirty="0">
+                <a:solidFill>
+                  <a:srgbClr val="FF0000"/>
+                </a:solidFill>
+              </a:rPr>
+              <a:t>[</a:t>
+            </a:r>
+            <a:r>
+              <a:rPr lang="en" sz="1000" dirty="0" err="1">
+                <a:solidFill>
+                  <a:srgbClr val="FF0000"/>
+                </a:solidFill>
+              </a:rPr>
+              <a:t>i</a:t>
+            </a:r>
+            <a:r>
+              <a:rPr lang="en" sz="1000" dirty="0">
+                <a:solidFill>
+                  <a:srgbClr val="FF0000"/>
+                </a:solidFill>
+              </a:rPr>
+              <a:t>].lower())</a:t>
+            </a:r>
+            <a:endParaRPr sz="1000" dirty="0">
+              <a:solidFill>
+                <a:srgbClr val="FF0000"/>
+              </a:solidFill>
+            </a:endParaRPr>
+          </a:p>
+          <a:p>
+            <a:pPr marL="0" lvl="0" indent="0">
+              <a:spcBef>
+                <a:spcPts val="0"/>
+              </a:spcBef>
+              <a:spcAft>
+                <a:spcPts val="0"/>
+              </a:spcAft>
+              <a:buNone/>
+            </a:pPr>
+            <a:endParaRPr sz="1000" dirty="0">
+              <a:solidFill>
+                <a:srgbClr val="FF0000"/>
+              </a:solidFill>
+            </a:endParaRPr>
+          </a:p>
+          <a:p>
+            <a:pPr marL="0" lvl="0" indent="0">
+              <a:spcBef>
+                <a:spcPts val="0"/>
+              </a:spcBef>
+              <a:spcAft>
+                <a:spcPts val="0"/>
+              </a:spcAft>
+              <a:buNone/>
+            </a:pPr>
+            <a:r>
+              <a:rPr lang="en" sz="1000" dirty="0" err="1">
+                <a:solidFill>
+                  <a:srgbClr val="FF0000"/>
+                </a:solidFill>
+              </a:rPr>
+              <a:t>stemmed_data</a:t>
+            </a:r>
+            <a:r>
+              <a:rPr lang="en" sz="1000" dirty="0">
+                <a:solidFill>
+                  <a:srgbClr val="FF0000"/>
+                </a:solidFill>
+              </a:rPr>
+              <a:t> = []</a:t>
+            </a:r>
+            <a:endParaRPr sz="1000" dirty="0">
+              <a:solidFill>
+                <a:srgbClr val="FF0000"/>
+              </a:solidFill>
+            </a:endParaRPr>
+          </a:p>
+          <a:p>
+            <a:pPr marL="0" lvl="0" indent="0">
+              <a:spcBef>
+                <a:spcPts val="0"/>
+              </a:spcBef>
+              <a:spcAft>
+                <a:spcPts val="0"/>
+              </a:spcAft>
+              <a:buNone/>
+            </a:pPr>
+            <a:r>
+              <a:rPr lang="en" sz="1000" dirty="0">
+                <a:solidFill>
+                  <a:srgbClr val="FF0000"/>
+                </a:solidFill>
+              </a:rPr>
+              <a:t>for </a:t>
+            </a:r>
+            <a:r>
+              <a:rPr lang="en" sz="1000" dirty="0" err="1">
+                <a:solidFill>
+                  <a:srgbClr val="FF0000"/>
+                </a:solidFill>
+              </a:rPr>
+              <a:t>i</a:t>
+            </a:r>
+            <a:r>
+              <a:rPr lang="en" sz="1000" dirty="0">
+                <a:solidFill>
+                  <a:srgbClr val="FF0000"/>
+                </a:solidFill>
+              </a:rPr>
+              <a:t> in range(</a:t>
+            </a:r>
+            <a:r>
+              <a:rPr lang="en" sz="1000" dirty="0" err="1">
+                <a:solidFill>
+                  <a:srgbClr val="FF0000"/>
+                </a:solidFill>
+              </a:rPr>
+              <a:t>len</a:t>
+            </a:r>
+            <a:r>
+              <a:rPr lang="en" sz="1000" dirty="0">
+                <a:solidFill>
+                  <a:srgbClr val="FF0000"/>
+                </a:solidFill>
+              </a:rPr>
+              <a:t>(</a:t>
+            </a:r>
+            <a:r>
+              <a:rPr lang="en" sz="1000" dirty="0" err="1">
+                <a:solidFill>
+                  <a:srgbClr val="FF0000"/>
+                </a:solidFill>
+              </a:rPr>
+              <a:t>lowercase_data</a:t>
+            </a:r>
+            <a:r>
+              <a:rPr lang="en" sz="1000" dirty="0">
+                <a:solidFill>
+                  <a:srgbClr val="FF0000"/>
+                </a:solidFill>
+              </a:rPr>
+              <a:t>)):</a:t>
+            </a:r>
+            <a:endParaRPr sz="1000" dirty="0">
+              <a:solidFill>
+                <a:srgbClr val="FF0000"/>
+              </a:solidFill>
+            </a:endParaRPr>
+          </a:p>
+          <a:p>
+            <a:pPr marL="0" lvl="0" indent="0">
+              <a:spcBef>
+                <a:spcPts val="0"/>
+              </a:spcBef>
+              <a:spcAft>
+                <a:spcPts val="0"/>
+              </a:spcAft>
+              <a:buNone/>
+            </a:pPr>
+            <a:r>
+              <a:rPr lang="en" sz="1000" dirty="0">
+                <a:solidFill>
+                  <a:srgbClr val="FF0000"/>
+                </a:solidFill>
+              </a:rPr>
+              <a:t>    words = </a:t>
+            </a:r>
+            <a:r>
+              <a:rPr lang="en" sz="1000" dirty="0" err="1">
+                <a:solidFill>
+                  <a:srgbClr val="FF0000"/>
+                </a:solidFill>
+              </a:rPr>
+              <a:t>lowercase_data</a:t>
+            </a:r>
+            <a:r>
+              <a:rPr lang="en" sz="1000" dirty="0">
+                <a:solidFill>
+                  <a:srgbClr val="FF0000"/>
+                </a:solidFill>
+              </a:rPr>
+              <a:t>[</a:t>
+            </a:r>
+            <a:r>
+              <a:rPr lang="en" sz="1000" dirty="0" err="1">
+                <a:solidFill>
+                  <a:srgbClr val="FF0000"/>
+                </a:solidFill>
+              </a:rPr>
+              <a:t>i</a:t>
+            </a:r>
+            <a:r>
+              <a:rPr lang="en" sz="1000" dirty="0">
+                <a:solidFill>
+                  <a:srgbClr val="FF0000"/>
+                </a:solidFill>
+              </a:rPr>
+              <a:t>].split()</a:t>
+            </a:r>
+            <a:endParaRPr sz="1000" dirty="0">
+              <a:solidFill>
+                <a:srgbClr val="FF0000"/>
+              </a:solidFill>
+            </a:endParaRPr>
+          </a:p>
+          <a:p>
+            <a:pPr marL="0" lvl="0" indent="0">
+              <a:spcBef>
+                <a:spcPts val="0"/>
+              </a:spcBef>
+              <a:spcAft>
+                <a:spcPts val="0"/>
+              </a:spcAft>
+              <a:buNone/>
+            </a:pPr>
+            <a:r>
+              <a:rPr lang="en" sz="1000" dirty="0">
+                <a:solidFill>
+                  <a:srgbClr val="FF0000"/>
+                </a:solidFill>
+              </a:rPr>
+              <a:t>    </a:t>
+            </a:r>
+            <a:r>
+              <a:rPr lang="en" sz="1000" dirty="0" err="1">
+                <a:solidFill>
+                  <a:srgbClr val="FF0000"/>
+                </a:solidFill>
+              </a:rPr>
+              <a:t>stemmed_words</a:t>
+            </a:r>
+            <a:r>
+              <a:rPr lang="en" sz="1000" dirty="0">
+                <a:solidFill>
+                  <a:srgbClr val="FF0000"/>
+                </a:solidFill>
+              </a:rPr>
+              <a:t> = []</a:t>
+            </a:r>
+            <a:endParaRPr sz="1000" dirty="0">
+              <a:solidFill>
+                <a:srgbClr val="FF0000"/>
+              </a:solidFill>
+            </a:endParaRPr>
+          </a:p>
+          <a:p>
+            <a:pPr marL="0" lvl="0" indent="0">
+              <a:spcBef>
+                <a:spcPts val="0"/>
+              </a:spcBef>
+              <a:spcAft>
+                <a:spcPts val="0"/>
+              </a:spcAft>
+              <a:buNone/>
+            </a:pPr>
+            <a:r>
+              <a:rPr lang="en" sz="1000" dirty="0">
+                <a:solidFill>
+                  <a:srgbClr val="FF0000"/>
+                </a:solidFill>
+              </a:rPr>
+              <a:t>    for w in words:</a:t>
+            </a:r>
+            <a:endParaRPr sz="1000" dirty="0">
+              <a:solidFill>
+                <a:srgbClr val="FF0000"/>
+              </a:solidFill>
+            </a:endParaRPr>
+          </a:p>
+          <a:p>
+            <a:pPr marL="0" lvl="0" indent="0">
+              <a:spcBef>
+                <a:spcPts val="0"/>
+              </a:spcBef>
+              <a:spcAft>
+                <a:spcPts val="0"/>
+              </a:spcAft>
+              <a:buNone/>
+            </a:pPr>
+            <a:r>
+              <a:rPr lang="en" sz="1000" dirty="0">
+                <a:solidFill>
+                  <a:srgbClr val="FF0000"/>
+                </a:solidFill>
+              </a:rPr>
+              <a:t>        </a:t>
+            </a:r>
+            <a:r>
+              <a:rPr lang="en" sz="1000" dirty="0" err="1">
+                <a:solidFill>
+                  <a:srgbClr val="FF0000"/>
+                </a:solidFill>
+              </a:rPr>
+              <a:t>stemmed_words.append</a:t>
+            </a:r>
+            <a:r>
+              <a:rPr lang="en" sz="1000" dirty="0">
+                <a:solidFill>
+                  <a:srgbClr val="FF0000"/>
+                </a:solidFill>
+              </a:rPr>
+              <a:t>(</a:t>
+            </a:r>
+            <a:r>
+              <a:rPr lang="en" sz="1000" dirty="0" err="1">
+                <a:solidFill>
+                  <a:srgbClr val="FF0000"/>
+                </a:solidFill>
+              </a:rPr>
+              <a:t>stemmer.stem</a:t>
+            </a:r>
+            <a:r>
+              <a:rPr lang="en" sz="1000" dirty="0">
+                <a:solidFill>
+                  <a:srgbClr val="FF0000"/>
+                </a:solidFill>
+              </a:rPr>
+              <a:t>(w))</a:t>
+            </a:r>
+            <a:endParaRPr sz="1000" dirty="0">
+              <a:solidFill>
+                <a:srgbClr val="FF0000"/>
+              </a:solidFill>
+            </a:endParaRPr>
+          </a:p>
+          <a:p>
+            <a:pPr marL="0" lvl="0" indent="0">
+              <a:spcBef>
+                <a:spcPts val="0"/>
+              </a:spcBef>
+              <a:spcAft>
+                <a:spcPts val="0"/>
+              </a:spcAft>
+              <a:buNone/>
+            </a:pPr>
+            <a:r>
+              <a:rPr lang="en" sz="1000" dirty="0">
+                <a:solidFill>
+                  <a:srgbClr val="FF0000"/>
+                </a:solidFill>
+              </a:rPr>
+              <a:t>    </a:t>
+            </a:r>
+            <a:r>
+              <a:rPr lang="en" sz="1000" dirty="0" err="1">
+                <a:solidFill>
+                  <a:srgbClr val="FF0000"/>
+                </a:solidFill>
+              </a:rPr>
+              <a:t>stemmed_data.append</a:t>
+            </a:r>
+            <a:r>
+              <a:rPr lang="en" sz="1000" dirty="0">
+                <a:solidFill>
+                  <a:srgbClr val="FF0000"/>
+                </a:solidFill>
+              </a:rPr>
+              <a:t>(" ".join(</a:t>
+            </a:r>
+            <a:r>
+              <a:rPr lang="en" sz="1000" dirty="0" err="1">
+                <a:solidFill>
+                  <a:srgbClr val="FF0000"/>
+                </a:solidFill>
+              </a:rPr>
+              <a:t>stemmed_words</a:t>
+            </a:r>
+            <a:r>
+              <a:rPr lang="en" sz="1000" dirty="0">
+                <a:solidFill>
+                  <a:srgbClr val="FF0000"/>
+                </a:solidFill>
+              </a:rPr>
+              <a:t>))</a:t>
+            </a:r>
+            <a:endParaRPr sz="1000" dirty="0">
+              <a:solidFill>
+                <a:srgbClr val="FF0000"/>
+              </a:solidFill>
+            </a:endParaRPr>
+          </a:p>
+          <a:p>
+            <a:pPr marL="0" lvl="0" indent="0">
+              <a:spcBef>
+                <a:spcPts val="0"/>
+              </a:spcBef>
+              <a:spcAft>
+                <a:spcPts val="0"/>
+              </a:spcAft>
+              <a:buNone/>
+            </a:pPr>
+            <a:endParaRPr sz="1000" dirty="0"/>
+          </a:p>
+          <a:p>
+            <a:pPr marL="0" lvl="0" indent="0" rtl="0">
+              <a:spcBef>
+                <a:spcPts val="0"/>
+              </a:spcBef>
+              <a:spcAft>
+                <a:spcPts val="0"/>
+              </a:spcAft>
+              <a:buNone/>
+            </a:pPr>
+            <a:endParaRPr dirty="0"/>
+          </a:p>
+        </p:txBody>
+      </p:sp>
+      <p:sp>
+        <p:nvSpPr>
+          <p:cNvPr id="182" name="Shape 182"/>
+          <p:cNvSpPr txBox="1"/>
+          <p:nvPr/>
+        </p:nvSpPr>
+        <p:spPr>
+          <a:xfrm>
+            <a:off x="6156900" y="3484450"/>
+            <a:ext cx="2780700" cy="572700"/>
+          </a:xfrm>
+          <a:prstGeom prst="rect">
+            <a:avLst/>
+          </a:prstGeom>
+          <a:solidFill>
+            <a:schemeClr val="lt2"/>
+          </a:solidFill>
+          <a:ln w="9525" cap="flat" cmpd="sng">
+            <a:solidFill>
+              <a:srgbClr val="000000"/>
+            </a:solidFill>
+            <a:prstDash val="solid"/>
+            <a:round/>
+            <a:headEnd type="none" w="sm" len="sm"/>
+            <a:tailEnd type="none" w="sm" len="sm"/>
+          </a:ln>
+        </p:spPr>
+        <p:txBody>
+          <a:bodyPr spcFirstLastPara="1" wrap="square" lIns="91425" tIns="91425" rIns="91425" bIns="91425" anchor="t" anchorCtr="0">
+            <a:noAutofit/>
+          </a:bodyPr>
+          <a:lstStyle/>
+          <a:p>
+            <a:pPr marL="0" lvl="0" indent="0" rtl="0">
+              <a:spcBef>
+                <a:spcPts val="0"/>
+              </a:spcBef>
+              <a:spcAft>
+                <a:spcPts val="0"/>
+              </a:spcAft>
+              <a:buNone/>
+            </a:pPr>
+            <a:r>
+              <a:rPr lang="en"/>
+              <a:t>docarray shape: (1058, </a:t>
+            </a:r>
+            <a:r>
+              <a:rPr lang="en">
+                <a:solidFill>
+                  <a:srgbClr val="FF0000"/>
+                </a:solidFill>
+              </a:rPr>
+              <a:t>8631</a:t>
+            </a:r>
+            <a:r>
+              <a:rPr lang="en"/>
+              <a:t>)</a:t>
+            </a:r>
+            <a:endParaRPr/>
+          </a:p>
+          <a:p>
+            <a:pPr marL="0" lvl="0" indent="0" rtl="0">
+              <a:spcBef>
+                <a:spcPts val="0"/>
+              </a:spcBef>
+              <a:spcAft>
+                <a:spcPts val="0"/>
+              </a:spcAft>
+              <a:buNone/>
+            </a:pPr>
+            <a:endParaRPr/>
+          </a:p>
+        </p:txBody>
+      </p:sp>
+      <p:sp>
+        <p:nvSpPr>
+          <p:cNvPr id="183" name="Shape 183"/>
+          <p:cNvSpPr txBox="1"/>
+          <p:nvPr/>
+        </p:nvSpPr>
+        <p:spPr>
+          <a:xfrm>
+            <a:off x="4024850" y="772675"/>
+            <a:ext cx="5005200" cy="1003200"/>
+          </a:xfrm>
+          <a:prstGeom prst="rect">
+            <a:avLst/>
+          </a:prstGeom>
+          <a:solidFill>
+            <a:schemeClr val="lt2"/>
+          </a:solidFill>
+          <a:ln w="9525" cap="flat" cmpd="sng">
+            <a:solidFill>
+              <a:srgbClr val="000000"/>
+            </a:solidFill>
+            <a:prstDash val="solid"/>
+            <a:round/>
+            <a:headEnd type="none" w="sm" len="sm"/>
+            <a:tailEnd type="none" w="sm" len="sm"/>
+          </a:ln>
+        </p:spPr>
+        <p:txBody>
+          <a:bodyPr spcFirstLastPara="1" wrap="square" lIns="91425" tIns="91425" rIns="91425" bIns="91425" anchor="t" anchorCtr="0">
+            <a:noAutofit/>
+          </a:bodyPr>
+          <a:lstStyle/>
+          <a:p>
+            <a:pPr marL="0" lvl="0" indent="0">
+              <a:spcBef>
+                <a:spcPts val="0"/>
+              </a:spcBef>
+              <a:spcAft>
+                <a:spcPts val="0"/>
+              </a:spcAft>
+              <a:buClr>
+                <a:schemeClr val="dk1"/>
+              </a:buClr>
+              <a:buSzPts val="1100"/>
+              <a:buFont typeface="Arial"/>
+              <a:buNone/>
+            </a:pPr>
+            <a:r>
+              <a:rPr lang="en" sz="1000" dirty="0" err="1">
+                <a:solidFill>
+                  <a:schemeClr val="dk1"/>
+                </a:solidFill>
+              </a:rPr>
+              <a:t>vectorizer</a:t>
+            </a:r>
+            <a:r>
+              <a:rPr lang="en" sz="1000" dirty="0">
+                <a:solidFill>
+                  <a:schemeClr val="dk1"/>
+                </a:solidFill>
+              </a:rPr>
+              <a:t> = </a:t>
+            </a:r>
+            <a:r>
+              <a:rPr lang="en" sz="1000" dirty="0" err="1">
+                <a:solidFill>
+                  <a:schemeClr val="dk1"/>
+                </a:solidFill>
+              </a:rPr>
+              <a:t>CountVectorizer</a:t>
+            </a:r>
+            <a:r>
+              <a:rPr lang="en" sz="1000" dirty="0">
+                <a:solidFill>
+                  <a:schemeClr val="dk1"/>
+                </a:solidFill>
+              </a:rPr>
+              <a:t>(analyzer = "word", binary = True, </a:t>
+            </a:r>
+            <a:r>
+              <a:rPr lang="en" sz="1000" dirty="0" err="1">
+                <a:solidFill>
+                  <a:schemeClr val="dk1"/>
+                </a:solidFill>
+              </a:rPr>
+              <a:t>min_df</a:t>
+            </a:r>
+            <a:r>
+              <a:rPr lang="en" sz="1000" dirty="0">
+                <a:solidFill>
+                  <a:schemeClr val="dk1"/>
+                </a:solidFill>
+              </a:rPr>
+              <a:t>=2)</a:t>
+            </a:r>
+            <a:endParaRPr sz="1000" dirty="0">
+              <a:solidFill>
+                <a:schemeClr val="dk1"/>
+              </a:solidFill>
+            </a:endParaRPr>
+          </a:p>
+          <a:p>
+            <a:pPr marL="0" lvl="0" indent="0">
+              <a:spcBef>
+                <a:spcPts val="0"/>
+              </a:spcBef>
+              <a:spcAft>
+                <a:spcPts val="0"/>
+              </a:spcAft>
+              <a:buClr>
+                <a:schemeClr val="dk1"/>
+              </a:buClr>
+              <a:buSzPts val="1100"/>
+              <a:buFont typeface="Arial"/>
+              <a:buNone/>
+            </a:pPr>
+            <a:r>
+              <a:rPr lang="en" sz="1000" dirty="0" err="1">
+                <a:solidFill>
+                  <a:schemeClr val="dk1"/>
+                </a:solidFill>
+              </a:rPr>
+              <a:t>docarray</a:t>
+            </a:r>
+            <a:r>
+              <a:rPr lang="en" sz="1000" dirty="0">
+                <a:solidFill>
+                  <a:schemeClr val="dk1"/>
+                </a:solidFill>
+              </a:rPr>
+              <a:t> = </a:t>
+            </a:r>
+            <a:r>
+              <a:rPr lang="en" sz="1000" dirty="0" err="1">
+                <a:solidFill>
+                  <a:schemeClr val="dk1"/>
+                </a:solidFill>
+              </a:rPr>
+              <a:t>vectorizer.fit_transform</a:t>
+            </a:r>
+            <a:r>
+              <a:rPr lang="en" sz="1000" dirty="0">
+                <a:solidFill>
+                  <a:schemeClr val="dk1"/>
+                </a:solidFill>
+              </a:rPr>
+              <a:t>(</a:t>
+            </a:r>
+            <a:r>
+              <a:rPr lang="en" sz="1000" dirty="0" err="1">
+                <a:solidFill>
+                  <a:schemeClr val="dk1"/>
+                </a:solidFill>
+              </a:rPr>
+              <a:t>stemmed_data</a:t>
+            </a:r>
+            <a:r>
+              <a:rPr lang="en" sz="1000" dirty="0">
+                <a:solidFill>
+                  <a:schemeClr val="dk1"/>
+                </a:solidFill>
+              </a:rPr>
+              <a:t>).</a:t>
+            </a:r>
+            <a:r>
+              <a:rPr lang="en" sz="1000" dirty="0" err="1">
+                <a:solidFill>
+                  <a:schemeClr val="dk1"/>
+                </a:solidFill>
+              </a:rPr>
+              <a:t>toarray</a:t>
+            </a:r>
+            <a:r>
+              <a:rPr lang="en" sz="1000" dirty="0">
+                <a:solidFill>
+                  <a:schemeClr val="dk1"/>
+                </a:solidFill>
+              </a:rPr>
+              <a:t>()</a:t>
+            </a:r>
+            <a:endParaRPr sz="1000" dirty="0">
+              <a:solidFill>
+                <a:schemeClr val="dk1"/>
+              </a:solidFill>
+            </a:endParaRPr>
+          </a:p>
+          <a:p>
+            <a:pPr marL="0" lvl="0" indent="0">
+              <a:spcBef>
+                <a:spcPts val="0"/>
+              </a:spcBef>
+              <a:spcAft>
+                <a:spcPts val="0"/>
+              </a:spcAft>
+              <a:buClr>
+                <a:schemeClr val="dk1"/>
+              </a:buClr>
+              <a:buSzPts val="1100"/>
+              <a:buFont typeface="Arial"/>
+              <a:buNone/>
+            </a:pPr>
+            <a:r>
+              <a:rPr lang="en" sz="1000" dirty="0" err="1">
+                <a:solidFill>
+                  <a:schemeClr val="dk1"/>
+                </a:solidFill>
+              </a:rPr>
+              <a:t>coords</a:t>
+            </a:r>
+            <a:r>
+              <a:rPr lang="en" sz="1000" dirty="0">
+                <a:solidFill>
+                  <a:schemeClr val="dk1"/>
+                </a:solidFill>
+              </a:rPr>
+              <a:t> = </a:t>
+            </a:r>
+            <a:r>
+              <a:rPr lang="en" sz="1000" dirty="0" err="1">
+                <a:solidFill>
+                  <a:schemeClr val="dk1"/>
+                </a:solidFill>
+              </a:rPr>
+              <a:t>vectorizer.get_feature_names</a:t>
+            </a:r>
+            <a:r>
+              <a:rPr lang="en" sz="1000" dirty="0">
+                <a:solidFill>
+                  <a:schemeClr val="dk1"/>
+                </a:solidFill>
+              </a:rPr>
+              <a:t>()</a:t>
+            </a:r>
+            <a:endParaRPr sz="1000" dirty="0">
+              <a:solidFill>
+                <a:schemeClr val="dk1"/>
+              </a:solidFill>
+            </a:endParaRPr>
+          </a:p>
+          <a:p>
+            <a:pPr marL="0" lvl="0" indent="0">
+              <a:spcBef>
+                <a:spcPts val="0"/>
+              </a:spcBef>
+              <a:spcAft>
+                <a:spcPts val="0"/>
+              </a:spcAft>
+              <a:buClr>
+                <a:schemeClr val="dk1"/>
+              </a:buClr>
+              <a:buSzPts val="1100"/>
+              <a:buFont typeface="Arial"/>
+              <a:buNone/>
+            </a:pPr>
+            <a:r>
+              <a:rPr lang="en" sz="1000" dirty="0">
+                <a:solidFill>
+                  <a:schemeClr val="dk1"/>
+                </a:solidFill>
+              </a:rPr>
+              <a:t>print(</a:t>
+            </a:r>
+            <a:r>
+              <a:rPr lang="en" sz="1000" dirty="0" err="1">
+                <a:solidFill>
+                  <a:schemeClr val="dk1"/>
+                </a:solidFill>
+              </a:rPr>
+              <a:t>coords</a:t>
+            </a:r>
+            <a:r>
+              <a:rPr lang="en" sz="1000" dirty="0">
+                <a:solidFill>
+                  <a:schemeClr val="dk1"/>
+                </a:solidFill>
+              </a:rPr>
+              <a:t>[:10])</a:t>
+            </a:r>
+            <a:endParaRPr sz="1000" dirty="0">
+              <a:solidFill>
+                <a:schemeClr val="dk1"/>
+              </a:solidFill>
+            </a:endParaRPr>
+          </a:p>
+          <a:p>
+            <a:pPr marL="0" lvl="0" indent="0">
+              <a:spcBef>
+                <a:spcPts val="0"/>
+              </a:spcBef>
+              <a:spcAft>
+                <a:spcPts val="0"/>
+              </a:spcAft>
+              <a:buClr>
+                <a:schemeClr val="dk1"/>
+              </a:buClr>
+              <a:buSzPts val="1100"/>
+              <a:buFont typeface="Arial"/>
+              <a:buNone/>
+            </a:pPr>
+            <a:r>
+              <a:rPr lang="en" sz="1000" dirty="0">
+                <a:solidFill>
+                  <a:schemeClr val="dk1"/>
+                </a:solidFill>
+              </a:rPr>
+              <a:t>print("</a:t>
+            </a:r>
+            <a:r>
+              <a:rPr lang="en" sz="1000" dirty="0" err="1">
+                <a:solidFill>
+                  <a:schemeClr val="dk1"/>
+                </a:solidFill>
+              </a:rPr>
+              <a:t>docarray</a:t>
+            </a:r>
+            <a:r>
+              <a:rPr lang="en" sz="1000" dirty="0">
+                <a:solidFill>
+                  <a:schemeClr val="dk1"/>
+                </a:solidFill>
+              </a:rPr>
+              <a:t> shape: {}".format(</a:t>
+            </a:r>
+            <a:r>
+              <a:rPr lang="en" sz="1000" dirty="0" err="1">
+                <a:solidFill>
+                  <a:schemeClr val="dk1"/>
+                </a:solidFill>
+              </a:rPr>
+              <a:t>docarray.shape</a:t>
+            </a:r>
+            <a:r>
+              <a:rPr lang="en" sz="1000" dirty="0">
+                <a:solidFill>
+                  <a:schemeClr val="dk1"/>
+                </a:solidFill>
+              </a:rPr>
+              <a:t>))</a:t>
+            </a:r>
+            <a:endParaRPr sz="1000" dirty="0">
+              <a:solidFill>
+                <a:schemeClr val="dk1"/>
+              </a:solidFill>
+            </a:endParaRPr>
+          </a:p>
+          <a:p>
+            <a:pPr marL="0" lvl="0" indent="0">
+              <a:spcBef>
+                <a:spcPts val="0"/>
+              </a:spcBef>
+              <a:spcAft>
+                <a:spcPts val="0"/>
+              </a:spcAft>
+              <a:buClr>
+                <a:schemeClr val="dk1"/>
+              </a:buClr>
+              <a:buSzPts val="1100"/>
+              <a:buFont typeface="Arial"/>
+              <a:buNone/>
+            </a:pPr>
+            <a:endParaRPr sz="1000" dirty="0">
+              <a:solidFill>
+                <a:schemeClr val="dk1"/>
+              </a:solidFill>
+            </a:endParaRPr>
+          </a:p>
+          <a:p>
+            <a:pPr marL="0" lvl="0" indent="0">
+              <a:spcBef>
+                <a:spcPts val="0"/>
+              </a:spcBef>
+              <a:spcAft>
+                <a:spcPts val="0"/>
+              </a:spcAft>
+              <a:buNone/>
+            </a:pPr>
+            <a:endParaRPr dirty="0"/>
           </a:p>
         </p:txBody>
       </p:sp>
@@ -11817,917 +13508,6 @@
   <p:cSld>
     <p:spTree>
       <p:nvGrpSpPr>
-        <p:cNvPr id="1" name="Shape 179"/>
-        <p:cNvGrpSpPr/>
-        <p:nvPr/>
-      </p:nvGrpSpPr>
-      <p:grpSpPr>
-        <a:xfrm>
-          <a:off x="0" y="0"/>
-          <a:ext cx="0" cy="0"/>
-          <a:chOff x="0" y="0"/>
-          <a:chExt cx="0" cy="0"/>
-        </a:xfrm>
-      </p:grpSpPr>
-      <p:sp>
-        <p:nvSpPr>
-          <p:cNvPr id="180" name="Shape 180"/>
-          <p:cNvSpPr txBox="1">
-            <a:spLocks noGrp="1"/>
-          </p:cNvSpPr>
-          <p:nvPr>
-            <p:ph type="title"/>
-          </p:nvPr>
-        </p:nvSpPr>
-        <p:spPr>
-          <a:xfrm>
-            <a:off x="311700" y="445025"/>
-            <a:ext cx="8520600" cy="572700"/>
-          </a:xfrm>
-          <a:prstGeom prst="rect">
-            <a:avLst/>
-          </a:prstGeom>
-        </p:spPr>
-        <p:txBody>
-          <a:bodyPr spcFirstLastPara="1" wrap="square" lIns="91425" tIns="91425" rIns="91425" bIns="91425" anchor="t" anchorCtr="0">
-            <a:noAutofit/>
-          </a:bodyPr>
-          <a:lstStyle/>
-          <a:p>
-            <a:pPr marL="0" lvl="0" indent="0" rtl="0">
-              <a:spcBef>
-                <a:spcPts val="0"/>
-              </a:spcBef>
-              <a:spcAft>
-                <a:spcPts val="0"/>
-              </a:spcAft>
-              <a:buNone/>
-            </a:pPr>
-            <a:r>
-              <a:rPr lang="en"/>
-              <a:t>Real World Data</a:t>
-            </a:r>
-            <a:endParaRPr/>
-          </a:p>
-        </p:txBody>
-      </p:sp>
-      <p:sp>
-        <p:nvSpPr>
-          <p:cNvPr id="181" name="Shape 181"/>
-          <p:cNvSpPr txBox="1"/>
-          <p:nvPr/>
-        </p:nvSpPr>
-        <p:spPr>
-          <a:xfrm>
-            <a:off x="311700" y="941525"/>
-            <a:ext cx="6100800" cy="4068000"/>
-          </a:xfrm>
-          <a:prstGeom prst="rect">
-            <a:avLst/>
-          </a:prstGeom>
-          <a:solidFill>
-            <a:schemeClr val="lt2"/>
-          </a:solidFill>
-          <a:ln w="9525" cap="flat" cmpd="sng">
-            <a:solidFill>
-              <a:srgbClr val="000000"/>
-            </a:solidFill>
-            <a:prstDash val="solid"/>
-            <a:round/>
-            <a:headEnd type="none" w="sm" len="sm"/>
-            <a:tailEnd type="none" w="sm" len="sm"/>
-          </a:ln>
-        </p:spPr>
-        <p:txBody>
-          <a:bodyPr spcFirstLastPara="1" wrap="square" lIns="91425" tIns="91425" rIns="91425" bIns="91425" anchor="t" anchorCtr="0">
-            <a:noAutofit/>
-          </a:bodyPr>
-          <a:lstStyle/>
-          <a:p>
-            <a:pPr marL="0" lvl="0" indent="0">
-              <a:spcBef>
-                <a:spcPts val="0"/>
-              </a:spcBef>
-              <a:spcAft>
-                <a:spcPts val="0"/>
-              </a:spcAft>
-              <a:buNone/>
-            </a:pPr>
-            <a:r>
-              <a:rPr lang="en" sz="1000"/>
-              <a:t>import pandas</a:t>
-            </a:r>
-            <a:endParaRPr sz="1000"/>
-          </a:p>
-          <a:p>
-            <a:pPr marL="0" lvl="0" indent="0">
-              <a:spcBef>
-                <a:spcPts val="0"/>
-              </a:spcBef>
-              <a:spcAft>
-                <a:spcPts val="0"/>
-              </a:spcAft>
-              <a:buNone/>
-            </a:pPr>
-            <a:r>
-              <a:rPr lang="en" sz="1000"/>
-              <a:t>from sklearn.feature_extraction.text import CountVectorizer</a:t>
-            </a:r>
-            <a:endParaRPr sz="1000"/>
-          </a:p>
-          <a:p>
-            <a:pPr marL="0" lvl="0" indent="0">
-              <a:spcBef>
-                <a:spcPts val="0"/>
-              </a:spcBef>
-              <a:spcAft>
-                <a:spcPts val="0"/>
-              </a:spcAft>
-              <a:buNone/>
-            </a:pPr>
-            <a:r>
-              <a:rPr lang="en" sz="1000"/>
-              <a:t>from sklearn.metrics.pairwise import euclidean_distances</a:t>
-            </a:r>
-            <a:endParaRPr sz="1000"/>
-          </a:p>
-          <a:p>
-            <a:pPr marL="0" lvl="0" indent="0">
-              <a:spcBef>
-                <a:spcPts val="0"/>
-              </a:spcBef>
-              <a:spcAft>
-                <a:spcPts val="0"/>
-              </a:spcAft>
-              <a:buNone/>
-            </a:pPr>
-            <a:r>
-              <a:rPr lang="en" sz="1000"/>
-              <a:t>from sklearn.datasets import fetch_20newsgroups</a:t>
-            </a:r>
-            <a:endParaRPr sz="1000"/>
-          </a:p>
-          <a:p>
-            <a:pPr marL="0" lvl="0" indent="0">
-              <a:spcBef>
-                <a:spcPts val="0"/>
-              </a:spcBef>
-              <a:spcAft>
-                <a:spcPts val="0"/>
-              </a:spcAft>
-              <a:buNone/>
-            </a:pPr>
-            <a:r>
-              <a:rPr lang="en" sz="1000"/>
-              <a:t>from re import sub</a:t>
-            </a:r>
-            <a:endParaRPr sz="1000"/>
-          </a:p>
-          <a:p>
-            <a:pPr marL="0" lvl="0" indent="0">
-              <a:spcBef>
-                <a:spcPts val="0"/>
-              </a:spcBef>
-              <a:spcAft>
-                <a:spcPts val="0"/>
-              </a:spcAft>
-              <a:buNone/>
-            </a:pPr>
-            <a:r>
-              <a:rPr lang="en" sz="1000"/>
-              <a:t>f</a:t>
-            </a:r>
-            <a:r>
-              <a:rPr lang="en" sz="1000">
-                <a:solidFill>
-                  <a:srgbClr val="FF0000"/>
-                </a:solidFill>
-              </a:rPr>
-              <a:t>rom nltk.stem import PorterStemmer</a:t>
-            </a:r>
-            <a:endParaRPr sz="1000">
-              <a:solidFill>
-                <a:srgbClr val="FF0000"/>
-              </a:solidFill>
-            </a:endParaRPr>
-          </a:p>
-          <a:p>
-            <a:pPr marL="0" lvl="0" indent="0">
-              <a:spcBef>
-                <a:spcPts val="0"/>
-              </a:spcBef>
-              <a:spcAft>
-                <a:spcPts val="0"/>
-              </a:spcAft>
-              <a:buNone/>
-            </a:pPr>
-            <a:endParaRPr sz="1000"/>
-          </a:p>
-          <a:p>
-            <a:pPr marL="0" lvl="0" indent="0">
-              <a:spcBef>
-                <a:spcPts val="0"/>
-              </a:spcBef>
-              <a:spcAft>
-                <a:spcPts val="0"/>
-              </a:spcAft>
-              <a:buNone/>
-            </a:pPr>
-            <a:r>
-              <a:rPr lang="en" sz="1000"/>
-              <a:t>stemmer = PorterStemmer()</a:t>
-            </a:r>
-            <a:endParaRPr sz="1000"/>
-          </a:p>
-          <a:p>
-            <a:pPr marL="0" lvl="0" indent="0">
-              <a:spcBef>
-                <a:spcPts val="0"/>
-              </a:spcBef>
-              <a:spcAft>
-                <a:spcPts val="0"/>
-              </a:spcAft>
-              <a:buNone/>
-            </a:pPr>
-            <a:r>
-              <a:rPr lang="en" sz="1000"/>
-              <a:t>cats = ['talk.politics.misc', 'sci.space']</a:t>
-            </a:r>
-            <a:endParaRPr sz="1000"/>
-          </a:p>
-          <a:p>
-            <a:pPr marL="0" lvl="0" indent="0">
-              <a:spcBef>
-                <a:spcPts val="0"/>
-              </a:spcBef>
-              <a:spcAft>
-                <a:spcPts val="0"/>
-              </a:spcAft>
-              <a:buNone/>
-            </a:pPr>
-            <a:r>
-              <a:rPr lang="en" sz="1000"/>
-              <a:t>newsgroups_train = fetch_20newsgroups(subset='train', categories=cats)</a:t>
-            </a:r>
-            <a:endParaRPr sz="1000"/>
-          </a:p>
-          <a:p>
-            <a:pPr marL="0" lvl="0" indent="0">
-              <a:spcBef>
-                <a:spcPts val="0"/>
-              </a:spcBef>
-              <a:spcAft>
-                <a:spcPts val="0"/>
-              </a:spcAft>
-              <a:buNone/>
-            </a:pPr>
-            <a:endParaRPr sz="1000"/>
-          </a:p>
-          <a:p>
-            <a:pPr marL="0" lvl="0" indent="0">
-              <a:spcBef>
-                <a:spcPts val="0"/>
-              </a:spcBef>
-              <a:spcAft>
-                <a:spcPts val="0"/>
-              </a:spcAft>
-              <a:buNone/>
-            </a:pPr>
-            <a:r>
-              <a:rPr lang="en" sz="1000"/>
-              <a:t>new_data = []</a:t>
-            </a:r>
-            <a:endParaRPr sz="1000"/>
-          </a:p>
-          <a:p>
-            <a:pPr marL="0" lvl="0" indent="0">
-              <a:spcBef>
-                <a:spcPts val="0"/>
-              </a:spcBef>
-              <a:spcAft>
-                <a:spcPts val="0"/>
-              </a:spcAft>
-              <a:buNone/>
-            </a:pPr>
-            <a:r>
-              <a:rPr lang="en" sz="1000"/>
-              <a:t>for i in range(len(newsgroups_train.data)):</a:t>
-            </a:r>
-            <a:endParaRPr sz="1000"/>
-          </a:p>
-          <a:p>
-            <a:pPr marL="0" lvl="0" indent="0">
-              <a:spcBef>
-                <a:spcPts val="0"/>
-              </a:spcBef>
-              <a:spcAft>
-                <a:spcPts val="0"/>
-              </a:spcAft>
-              <a:buNone/>
-            </a:pPr>
-            <a:r>
-              <a:rPr lang="en" sz="1000"/>
-              <a:t>    new_data.append(sub("[^a-zA-Z]", " ", newsgroups_train.data[i]))</a:t>
-            </a:r>
-            <a:endParaRPr sz="1000"/>
-          </a:p>
-          <a:p>
-            <a:pPr marL="0" lvl="0" indent="0">
-              <a:spcBef>
-                <a:spcPts val="0"/>
-              </a:spcBef>
-              <a:spcAft>
-                <a:spcPts val="0"/>
-              </a:spcAft>
-              <a:buNone/>
-            </a:pPr>
-            <a:endParaRPr sz="1000"/>
-          </a:p>
-          <a:p>
-            <a:pPr marL="0" lvl="0" indent="0">
-              <a:spcBef>
-                <a:spcPts val="0"/>
-              </a:spcBef>
-              <a:spcAft>
-                <a:spcPts val="0"/>
-              </a:spcAft>
-              <a:buNone/>
-            </a:pPr>
-            <a:r>
-              <a:rPr lang="en" sz="1000"/>
-              <a:t>l</a:t>
-            </a:r>
-            <a:r>
-              <a:rPr lang="en" sz="1000">
-                <a:solidFill>
-                  <a:srgbClr val="FF0000"/>
-                </a:solidFill>
-              </a:rPr>
-              <a:t>owercase_data = []</a:t>
-            </a:r>
-            <a:endParaRPr sz="1000">
-              <a:solidFill>
-                <a:srgbClr val="FF0000"/>
-              </a:solidFill>
-            </a:endParaRPr>
-          </a:p>
-          <a:p>
-            <a:pPr marL="0" lvl="0" indent="0">
-              <a:spcBef>
-                <a:spcPts val="0"/>
-              </a:spcBef>
-              <a:spcAft>
-                <a:spcPts val="0"/>
-              </a:spcAft>
-              <a:buNone/>
-            </a:pPr>
-            <a:r>
-              <a:rPr lang="en" sz="1000">
-                <a:solidFill>
-                  <a:srgbClr val="FF0000"/>
-                </a:solidFill>
-              </a:rPr>
-              <a:t>for i in range(len(new_data)):</a:t>
-            </a:r>
-            <a:endParaRPr sz="1000">
-              <a:solidFill>
-                <a:srgbClr val="FF0000"/>
-              </a:solidFill>
-            </a:endParaRPr>
-          </a:p>
-          <a:p>
-            <a:pPr marL="0" lvl="0" indent="0">
-              <a:spcBef>
-                <a:spcPts val="0"/>
-              </a:spcBef>
-              <a:spcAft>
-                <a:spcPts val="0"/>
-              </a:spcAft>
-              <a:buNone/>
-            </a:pPr>
-            <a:r>
-              <a:rPr lang="en" sz="1000">
-                <a:solidFill>
-                  <a:srgbClr val="FF0000"/>
-                </a:solidFill>
-              </a:rPr>
-              <a:t>    lowercase_data.append(new_data[i].lower())</a:t>
-            </a:r>
-            <a:endParaRPr sz="1000">
-              <a:solidFill>
-                <a:srgbClr val="FF0000"/>
-              </a:solidFill>
-            </a:endParaRPr>
-          </a:p>
-          <a:p>
-            <a:pPr marL="0" lvl="0" indent="0">
-              <a:spcBef>
-                <a:spcPts val="0"/>
-              </a:spcBef>
-              <a:spcAft>
-                <a:spcPts val="0"/>
-              </a:spcAft>
-              <a:buNone/>
-            </a:pPr>
-            <a:endParaRPr sz="1000">
-              <a:solidFill>
-                <a:srgbClr val="FF0000"/>
-              </a:solidFill>
-            </a:endParaRPr>
-          </a:p>
-          <a:p>
-            <a:pPr marL="0" lvl="0" indent="0">
-              <a:spcBef>
-                <a:spcPts val="0"/>
-              </a:spcBef>
-              <a:spcAft>
-                <a:spcPts val="0"/>
-              </a:spcAft>
-              <a:buNone/>
-            </a:pPr>
-            <a:r>
-              <a:rPr lang="en" sz="1000">
-                <a:solidFill>
-                  <a:srgbClr val="FF0000"/>
-                </a:solidFill>
-              </a:rPr>
-              <a:t>stemmed_data = []</a:t>
-            </a:r>
-            <a:endParaRPr sz="1000">
-              <a:solidFill>
-                <a:srgbClr val="FF0000"/>
-              </a:solidFill>
-            </a:endParaRPr>
-          </a:p>
-          <a:p>
-            <a:pPr marL="0" lvl="0" indent="0">
-              <a:spcBef>
-                <a:spcPts val="0"/>
-              </a:spcBef>
-              <a:spcAft>
-                <a:spcPts val="0"/>
-              </a:spcAft>
-              <a:buNone/>
-            </a:pPr>
-            <a:r>
-              <a:rPr lang="en" sz="1000">
-                <a:solidFill>
-                  <a:srgbClr val="FF0000"/>
-                </a:solidFill>
-              </a:rPr>
-              <a:t>for i in range(len(lowercase_data)):</a:t>
-            </a:r>
-            <a:endParaRPr sz="1000">
-              <a:solidFill>
-                <a:srgbClr val="FF0000"/>
-              </a:solidFill>
-            </a:endParaRPr>
-          </a:p>
-          <a:p>
-            <a:pPr marL="0" lvl="0" indent="0">
-              <a:spcBef>
-                <a:spcPts val="0"/>
-              </a:spcBef>
-              <a:spcAft>
-                <a:spcPts val="0"/>
-              </a:spcAft>
-              <a:buNone/>
-            </a:pPr>
-            <a:r>
-              <a:rPr lang="en" sz="1000">
-                <a:solidFill>
-                  <a:srgbClr val="FF0000"/>
-                </a:solidFill>
-              </a:rPr>
-              <a:t>    words = lowercase_data[i].split()</a:t>
-            </a:r>
-            <a:endParaRPr sz="1000">
-              <a:solidFill>
-                <a:srgbClr val="FF0000"/>
-              </a:solidFill>
-            </a:endParaRPr>
-          </a:p>
-          <a:p>
-            <a:pPr marL="0" lvl="0" indent="0">
-              <a:spcBef>
-                <a:spcPts val="0"/>
-              </a:spcBef>
-              <a:spcAft>
-                <a:spcPts val="0"/>
-              </a:spcAft>
-              <a:buNone/>
-            </a:pPr>
-            <a:r>
-              <a:rPr lang="en" sz="1000">
-                <a:solidFill>
-                  <a:srgbClr val="FF0000"/>
-                </a:solidFill>
-              </a:rPr>
-              <a:t>    stemmed_words = []</a:t>
-            </a:r>
-            <a:endParaRPr sz="1000">
-              <a:solidFill>
-                <a:srgbClr val="FF0000"/>
-              </a:solidFill>
-            </a:endParaRPr>
-          </a:p>
-          <a:p>
-            <a:pPr marL="0" lvl="0" indent="0">
-              <a:spcBef>
-                <a:spcPts val="0"/>
-              </a:spcBef>
-              <a:spcAft>
-                <a:spcPts val="0"/>
-              </a:spcAft>
-              <a:buNone/>
-            </a:pPr>
-            <a:r>
-              <a:rPr lang="en" sz="1000">
-                <a:solidFill>
-                  <a:srgbClr val="FF0000"/>
-                </a:solidFill>
-              </a:rPr>
-              <a:t>    for w in words:</a:t>
-            </a:r>
-            <a:endParaRPr sz="1000">
-              <a:solidFill>
-                <a:srgbClr val="FF0000"/>
-              </a:solidFill>
-            </a:endParaRPr>
-          </a:p>
-          <a:p>
-            <a:pPr marL="0" lvl="0" indent="0">
-              <a:spcBef>
-                <a:spcPts val="0"/>
-              </a:spcBef>
-              <a:spcAft>
-                <a:spcPts val="0"/>
-              </a:spcAft>
-              <a:buNone/>
-            </a:pPr>
-            <a:r>
-              <a:rPr lang="en" sz="1000">
-                <a:solidFill>
-                  <a:srgbClr val="FF0000"/>
-                </a:solidFill>
-              </a:rPr>
-              <a:t>        stemmed_words.append(stemmer.stem(w))</a:t>
-            </a:r>
-            <a:endParaRPr sz="1000">
-              <a:solidFill>
-                <a:srgbClr val="FF0000"/>
-              </a:solidFill>
-            </a:endParaRPr>
-          </a:p>
-          <a:p>
-            <a:pPr marL="0" lvl="0" indent="0">
-              <a:spcBef>
-                <a:spcPts val="0"/>
-              </a:spcBef>
-              <a:spcAft>
-                <a:spcPts val="0"/>
-              </a:spcAft>
-              <a:buNone/>
-            </a:pPr>
-            <a:r>
-              <a:rPr lang="en" sz="1000">
-                <a:solidFill>
-                  <a:srgbClr val="FF0000"/>
-                </a:solidFill>
-              </a:rPr>
-              <a:t>    stemmed_data.append(" ".join(stemmed_words))</a:t>
-            </a:r>
-            <a:endParaRPr sz="1000">
-              <a:solidFill>
-                <a:srgbClr val="FF0000"/>
-              </a:solidFill>
-            </a:endParaRPr>
-          </a:p>
-          <a:p>
-            <a:pPr marL="0" lvl="0" indent="0">
-              <a:spcBef>
-                <a:spcPts val="0"/>
-              </a:spcBef>
-              <a:spcAft>
-                <a:spcPts val="0"/>
-              </a:spcAft>
-              <a:buNone/>
-            </a:pPr>
-            <a:endParaRPr sz="1000"/>
-          </a:p>
-          <a:p>
-            <a:pPr marL="0" lvl="0" indent="0" rtl="0">
-              <a:spcBef>
-                <a:spcPts val="0"/>
-              </a:spcBef>
-              <a:spcAft>
-                <a:spcPts val="0"/>
-              </a:spcAft>
-              <a:buNone/>
-            </a:pPr>
-            <a:endParaRPr/>
-          </a:p>
-        </p:txBody>
-      </p:sp>
-      <p:sp>
-        <p:nvSpPr>
-          <p:cNvPr id="182" name="Shape 182"/>
-          <p:cNvSpPr txBox="1"/>
-          <p:nvPr/>
-        </p:nvSpPr>
-        <p:spPr>
-          <a:xfrm>
-            <a:off x="6156900" y="3484450"/>
-            <a:ext cx="2780700" cy="572700"/>
-          </a:xfrm>
-          <a:prstGeom prst="rect">
-            <a:avLst/>
-          </a:prstGeom>
-          <a:solidFill>
-            <a:schemeClr val="lt2"/>
-          </a:solidFill>
-          <a:ln w="9525" cap="flat" cmpd="sng">
-            <a:solidFill>
-              <a:srgbClr val="000000"/>
-            </a:solidFill>
-            <a:prstDash val="solid"/>
-            <a:round/>
-            <a:headEnd type="none" w="sm" len="sm"/>
-            <a:tailEnd type="none" w="sm" len="sm"/>
-          </a:ln>
-        </p:spPr>
-        <p:txBody>
-          <a:bodyPr spcFirstLastPara="1" wrap="square" lIns="91425" tIns="91425" rIns="91425" bIns="91425" anchor="t" anchorCtr="0">
-            <a:noAutofit/>
-          </a:bodyPr>
-          <a:lstStyle/>
-          <a:p>
-            <a:pPr marL="0" lvl="0" indent="0" rtl="0">
-              <a:spcBef>
-                <a:spcPts val="0"/>
-              </a:spcBef>
-              <a:spcAft>
-                <a:spcPts val="0"/>
-              </a:spcAft>
-              <a:buNone/>
-            </a:pPr>
-            <a:r>
-              <a:rPr lang="en"/>
-              <a:t>docarray shape: (1058, </a:t>
-            </a:r>
-            <a:r>
-              <a:rPr lang="en">
-                <a:solidFill>
-                  <a:srgbClr val="FF0000"/>
-                </a:solidFill>
-              </a:rPr>
-              <a:t>8631</a:t>
-            </a:r>
-            <a:r>
-              <a:rPr lang="en"/>
-              <a:t>)</a:t>
-            </a:r>
-            <a:endParaRPr/>
-          </a:p>
-          <a:p>
-            <a:pPr marL="0" lvl="0" indent="0" rtl="0">
-              <a:spcBef>
-                <a:spcPts val="0"/>
-              </a:spcBef>
-              <a:spcAft>
-                <a:spcPts val="0"/>
-              </a:spcAft>
-              <a:buNone/>
-            </a:pPr>
-            <a:endParaRPr/>
-          </a:p>
-        </p:txBody>
-      </p:sp>
-      <p:sp>
-        <p:nvSpPr>
-          <p:cNvPr id="183" name="Shape 183"/>
-          <p:cNvSpPr txBox="1"/>
-          <p:nvPr/>
-        </p:nvSpPr>
-        <p:spPr>
-          <a:xfrm>
-            <a:off x="4024850" y="772675"/>
-            <a:ext cx="5005200" cy="1003200"/>
-          </a:xfrm>
-          <a:prstGeom prst="rect">
-            <a:avLst/>
-          </a:prstGeom>
-          <a:solidFill>
-            <a:schemeClr val="lt2"/>
-          </a:solidFill>
-          <a:ln w="9525" cap="flat" cmpd="sng">
-            <a:solidFill>
-              <a:srgbClr val="000000"/>
-            </a:solidFill>
-            <a:prstDash val="solid"/>
-            <a:round/>
-            <a:headEnd type="none" w="sm" len="sm"/>
-            <a:tailEnd type="none" w="sm" len="sm"/>
-          </a:ln>
-        </p:spPr>
-        <p:txBody>
-          <a:bodyPr spcFirstLastPara="1" wrap="square" lIns="91425" tIns="91425" rIns="91425" bIns="91425" anchor="t" anchorCtr="0">
-            <a:noAutofit/>
-          </a:bodyPr>
-          <a:lstStyle/>
-          <a:p>
-            <a:pPr marL="0" lvl="0" indent="0">
-              <a:spcBef>
-                <a:spcPts val="0"/>
-              </a:spcBef>
-              <a:spcAft>
-                <a:spcPts val="0"/>
-              </a:spcAft>
-              <a:buClr>
-                <a:schemeClr val="dk1"/>
-              </a:buClr>
-              <a:buSzPts val="1100"/>
-              <a:buFont typeface="Arial"/>
-              <a:buNone/>
-            </a:pPr>
-            <a:r>
-              <a:rPr lang="en" sz="1000">
-                <a:solidFill>
-                  <a:schemeClr val="dk1"/>
-                </a:solidFill>
-              </a:rPr>
-              <a:t>vectorizer = CountVectorizer(analyzer = "word", binary = True, min_df=2)</a:t>
-            </a:r>
-            <a:endParaRPr sz="1000">
-              <a:solidFill>
-                <a:schemeClr val="dk1"/>
-              </a:solidFill>
-            </a:endParaRPr>
-          </a:p>
-          <a:p>
-            <a:pPr marL="0" lvl="0" indent="0">
-              <a:spcBef>
-                <a:spcPts val="0"/>
-              </a:spcBef>
-              <a:spcAft>
-                <a:spcPts val="0"/>
-              </a:spcAft>
-              <a:buClr>
-                <a:schemeClr val="dk1"/>
-              </a:buClr>
-              <a:buSzPts val="1100"/>
-              <a:buFont typeface="Arial"/>
-              <a:buNone/>
-            </a:pPr>
-            <a:r>
-              <a:rPr lang="en" sz="1000">
-                <a:solidFill>
-                  <a:schemeClr val="dk1"/>
-                </a:solidFill>
-              </a:rPr>
-              <a:t>docarray = vectorizer.fit_transform(stemmed_data).toarray()</a:t>
-            </a:r>
-            <a:endParaRPr sz="1000">
-              <a:solidFill>
-                <a:schemeClr val="dk1"/>
-              </a:solidFill>
-            </a:endParaRPr>
-          </a:p>
-          <a:p>
-            <a:pPr marL="0" lvl="0" indent="0">
-              <a:spcBef>
-                <a:spcPts val="0"/>
-              </a:spcBef>
-              <a:spcAft>
-                <a:spcPts val="0"/>
-              </a:spcAft>
-              <a:buClr>
-                <a:schemeClr val="dk1"/>
-              </a:buClr>
-              <a:buSzPts val="1100"/>
-              <a:buFont typeface="Arial"/>
-              <a:buNone/>
-            </a:pPr>
-            <a:r>
-              <a:rPr lang="en" sz="1000">
-                <a:solidFill>
-                  <a:schemeClr val="dk1"/>
-                </a:solidFill>
-              </a:rPr>
-              <a:t>coords = vectorizer.get_feature_names()</a:t>
-            </a:r>
-            <a:endParaRPr sz="1000">
-              <a:solidFill>
-                <a:schemeClr val="dk1"/>
-              </a:solidFill>
-            </a:endParaRPr>
-          </a:p>
-          <a:p>
-            <a:pPr marL="0" lvl="0" indent="0">
-              <a:spcBef>
-                <a:spcPts val="0"/>
-              </a:spcBef>
-              <a:spcAft>
-                <a:spcPts val="0"/>
-              </a:spcAft>
-              <a:buClr>
-                <a:schemeClr val="dk1"/>
-              </a:buClr>
-              <a:buSzPts val="1100"/>
-              <a:buFont typeface="Arial"/>
-              <a:buNone/>
-            </a:pPr>
-            <a:r>
-              <a:rPr lang="en" sz="1000">
-                <a:solidFill>
-                  <a:schemeClr val="dk1"/>
-                </a:solidFill>
-              </a:rPr>
-              <a:t>print(coords[:10])</a:t>
-            </a:r>
-            <a:endParaRPr sz="1000">
-              <a:solidFill>
-                <a:schemeClr val="dk1"/>
-              </a:solidFill>
-            </a:endParaRPr>
-          </a:p>
-          <a:p>
-            <a:pPr marL="0" lvl="0" indent="0">
-              <a:spcBef>
-                <a:spcPts val="0"/>
-              </a:spcBef>
-              <a:spcAft>
-                <a:spcPts val="0"/>
-              </a:spcAft>
-              <a:buClr>
-                <a:schemeClr val="dk1"/>
-              </a:buClr>
-              <a:buSzPts val="1100"/>
-              <a:buFont typeface="Arial"/>
-              <a:buNone/>
-            </a:pPr>
-            <a:r>
-              <a:rPr lang="en" sz="1000">
-                <a:solidFill>
-                  <a:schemeClr val="dk1"/>
-                </a:solidFill>
-              </a:rPr>
-              <a:t>print("docarray shape: {}".format(docarray.shape))</a:t>
-            </a:r>
-            <a:endParaRPr sz="1000">
-              <a:solidFill>
-                <a:schemeClr val="dk1"/>
-              </a:solidFill>
-            </a:endParaRPr>
-          </a:p>
-          <a:p>
-            <a:pPr marL="0" lvl="0" indent="0">
-              <a:spcBef>
-                <a:spcPts val="0"/>
-              </a:spcBef>
-              <a:spcAft>
-                <a:spcPts val="0"/>
-              </a:spcAft>
-              <a:buClr>
-                <a:schemeClr val="dk1"/>
-              </a:buClr>
-              <a:buSzPts val="1100"/>
-              <a:buFont typeface="Arial"/>
-              <a:buNone/>
-            </a:pPr>
-            <a:endParaRPr sz="1000">
-              <a:solidFill>
-                <a:schemeClr val="dk1"/>
-              </a:solidFill>
-            </a:endParaRPr>
-          </a:p>
-          <a:p>
-            <a:pPr marL="0" lvl="0" indent="0">
-              <a:spcBef>
-                <a:spcPts val="0"/>
-              </a:spcBef>
-              <a:spcAft>
-                <a:spcPts val="0"/>
-              </a:spcAft>
-              <a:buNone/>
-            </a:pPr>
-            <a:endParaRPr/>
-          </a:p>
-        </p:txBody>
-      </p:sp>
-    </p:spTree>
-  </p:cSld>
-  <p:clrMapOvr>
-    <a:masterClrMapping/>
-  </p:clrMapOvr>
-</p:sld>
-</file>
-
-<file path=ppt/slides/slide21.xml><?xml version="1.0" encoding="utf-8"?>
-<p:sld xmlns:a="http://schemas.openxmlformats.org/drawingml/2006/main" xmlns:r="http://schemas.openxmlformats.org/officeDocument/2006/relationships" xmlns:p="http://schemas.openxmlformats.org/presentationml/2006/main">
-  <p:cSld>
-    <p:spTree>
-      <p:nvGrpSpPr>
         <p:cNvPr id="1" name="Shape 187"/>
         <p:cNvGrpSpPr/>
         <p:nvPr/>
@@ -12884,7 +13664,7 @@
 </p:sld>
 </file>
 
-<file path=ppt/slides/slide22.xml><?xml version="1.0" encoding="utf-8"?>
+<file path=ppt/slides/slide21.xml><?xml version="1.0" encoding="utf-8"?>
 <p:sld xmlns:a="http://schemas.openxmlformats.org/drawingml/2006/main" xmlns:r="http://schemas.openxmlformats.org/officeDocument/2006/relationships" xmlns:p="http://schemas.openxmlformats.org/presentationml/2006/main">
   <p:cSld>
     <p:spTree>
@@ -14791,18 +15571,26 @@
               <a:buNone/>
             </a:pPr>
             <a:r>
-              <a:rPr lang="en" sz="1200"/>
+              <a:rPr lang="en" sz="1200" dirty="0"/>
               <a:t>import pandas</a:t>
             </a:r>
             <a:br>
-              <a:rPr lang="en" sz="1200"/>
+              <a:rPr lang="en" sz="1200" dirty="0"/>
             </a:br>
             <a:r>
-              <a:rPr lang="en" sz="1200"/>
-              <a:t>from sklearn.feature_extraction.text import </a:t>
-            </a:r>
-            <a:r>
-              <a:rPr lang="en" sz="1200">
+              <a:rPr lang="en" sz="1200" dirty="0"/>
+              <a:t>from </a:t>
+            </a:r>
+            <a:r>
+              <a:rPr lang="en" sz="1200" dirty="0" err="1"/>
+              <a:t>sklearn.feature_extraction.text</a:t>
+            </a:r>
+            <a:r>
+              <a:rPr lang="en" sz="1200" dirty="0"/>
+              <a:t> import </a:t>
+            </a:r>
+            <a:r>
+              <a:rPr lang="en" sz="1200" dirty="0" err="1">
                 <a:solidFill>
                   <a:srgbClr val="FF0000"/>
                 </a:solidFill>
@@ -14810,18 +15598,26 @@
               <a:t>CountVectorizer</a:t>
             </a:r>
             <a:r>
-              <a:rPr lang="en" sz="1200"/>
+              <a:rPr lang="en" sz="1200" dirty="0"/>
               <a:t/>
             </a:r>
             <a:br>
-              <a:rPr lang="en" sz="1200"/>
+              <a:rPr lang="en" sz="1200" dirty="0"/>
             </a:br>
             <a:r>
-              <a:rPr lang="en" sz="1200"/>
-              <a:t>from sklearn.metrics.pairwise import </a:t>
-            </a:r>
-            <a:r>
-              <a:rPr lang="en" sz="1200">
+              <a:rPr lang="en" sz="1200" dirty="0"/>
+              <a:t>from </a:t>
+            </a:r>
+            <a:r>
+              <a:rPr lang="en" sz="1200" dirty="0" err="1"/>
+              <a:t>sklearn.metrics.pairwise</a:t>
+            </a:r>
+            <a:r>
+              <a:rPr lang="en" sz="1200" dirty="0"/>
+              <a:t> import </a:t>
+            </a:r>
+            <a:r>
+              <a:rPr lang="en" sz="1200" dirty="0" err="1">
                 <a:solidFill>
                   <a:srgbClr val="FF0000"/>
                 </a:solidFill>
@@ -14829,67 +15625,75 @@
               <a:t>euclidean_distances</a:t>
             </a:r>
             <a:r>
-              <a:rPr lang="en" sz="1200"/>
+              <a:rPr lang="en" sz="1200" dirty="0"/>
               <a:t/>
             </a:r>
             <a:br>
-              <a:rPr lang="en" sz="1200"/>
+              <a:rPr lang="en" sz="1200" dirty="0"/>
             </a:br>
             <a:r>
-              <a:rPr lang="en" sz="1200"/>
+              <a:rPr lang="en" sz="1200" dirty="0"/>
               <a:t/>
             </a:r>
             <a:br>
-              <a:rPr lang="en" sz="1200"/>
+              <a:rPr lang="en" sz="1200" dirty="0"/>
             </a:br>
             <a:r>
-              <a:rPr lang="en" sz="1200"/>
-              <a:t>doc_names = ["doc1", "doc2", "doc3"]</a:t>
+              <a:rPr lang="en" sz="1200" dirty="0" err="1"/>
+              <a:t>doc_names</a:t>
+            </a:r>
+            <a:r>
+              <a:rPr lang="en" sz="1200" dirty="0"/>
+              <a:t> = ["doc1", "doc2", "doc3"]</a:t>
             </a:r>
             <a:br>
-              <a:rPr lang="en" sz="1200"/>
+              <a:rPr lang="en" sz="1200" dirty="0"/>
             </a:br>
             <a:r>
-              <a:rPr lang="en" sz="1200"/>
+              <a:rPr lang="en" sz="1200" dirty="0"/>
               <a:t>docs = ["the quick brown fox jumps over the lazy dog",</a:t>
             </a:r>
             <a:br>
-              <a:rPr lang="en" sz="1200"/>
+              <a:rPr lang="en" sz="1200" dirty="0"/>
             </a:br>
             <a:r>
-              <a:rPr lang="en" sz="1200"/>
+              <a:rPr lang="en" sz="1200" dirty="0"/>
               <a:t>        "Rudi is a lazy brown dog",</a:t>
             </a:r>
             <a:br>
-              <a:rPr lang="en" sz="1200"/>
+              <a:rPr lang="en" sz="1200" dirty="0"/>
             </a:br>
             <a:r>
-              <a:rPr lang="en" sz="1200"/>
+              <a:rPr lang="en" sz="1200" dirty="0"/>
               <a:t>        "Princess jumps over the lazy dog"]</a:t>
             </a:r>
             <a:br>
-              <a:rPr lang="en" sz="1200"/>
+              <a:rPr lang="en" sz="1200" dirty="0"/>
             </a:br>
             <a:r>
-              <a:rPr lang="en" sz="1200"/>
+              <a:rPr lang="en" sz="1200" dirty="0"/>
               <a:t/>
             </a:r>
             <a:br>
-              <a:rPr lang="en" sz="1200"/>
+              <a:rPr lang="en" sz="1200" dirty="0"/>
             </a:br>
             <a:r>
-              <a:rPr lang="en" sz="1200"/>
+              <a:rPr lang="en" sz="1200" dirty="0"/>
               <a:t># process documents                                                                                               </a:t>
             </a:r>
             <a:br>
-              <a:rPr lang="en" sz="1200"/>
+              <a:rPr lang="en" sz="1200" dirty="0"/>
             </a:br>
             <a:r>
-              <a:rPr lang="en" sz="1200"/>
-              <a:t>vectorizer = </a:t>
-            </a:r>
-            <a:r>
-              <a:rPr lang="en" sz="1200">
+              <a:rPr lang="en" sz="1200" dirty="0" err="1"/>
+              <a:t>vectorizer</a:t>
+            </a:r>
+            <a:r>
+              <a:rPr lang="en" sz="1200" dirty="0"/>
+              <a:t> = </a:t>
+            </a:r>
+            <a:r>
+              <a:rPr lang="en" sz="1200" dirty="0" err="1">
                 <a:solidFill>
                   <a:srgbClr val="FF0000"/>
                 </a:solidFill>
@@ -14897,67 +15701,151 @@
               <a:t>CountVectorizer</a:t>
             </a:r>
             <a:r>
-              <a:rPr lang="en" sz="1200"/>
+              <a:rPr lang="en" sz="1200" dirty="0"/>
               <a:t>(analyzer = "word", binary = True)</a:t>
             </a:r>
             <a:br>
-              <a:rPr lang="en" sz="1200"/>
+              <a:rPr lang="en" sz="1200" dirty="0"/>
             </a:br>
             <a:r>
-              <a:rPr lang="en" sz="1200"/>
-              <a:t>docarray = vectorizer.fit_transform(docs).toarray()</a:t>
+              <a:rPr lang="en" sz="1200" dirty="0" err="1"/>
+              <a:t>docarray</a:t>
+            </a:r>
+            <a:r>
+              <a:rPr lang="en" sz="1200" dirty="0"/>
+              <a:t> = </a:t>
+            </a:r>
+            <a:r>
+              <a:rPr lang="en" sz="1200" dirty="0" err="1"/>
+              <a:t>vectorizer.fit_transform</a:t>
+            </a:r>
+            <a:r>
+              <a:rPr lang="en" sz="1200" dirty="0"/>
+              <a:t>(docs).</a:t>
+            </a:r>
+            <a:r>
+              <a:rPr lang="en" sz="1200" dirty="0" err="1"/>
+              <a:t>toarray</a:t>
+            </a:r>
+            <a:r>
+              <a:rPr lang="en" sz="1200" dirty="0"/>
+              <a:t>()</a:t>
             </a:r>
             <a:br>
-              <a:rPr lang="en" sz="1200"/>
+              <a:rPr lang="en" sz="1200" dirty="0"/>
             </a:br>
             <a:r>
-              <a:rPr lang="en" sz="1200"/>
-              <a:t>coords = vectorizer.get_feature_names()</a:t>
+              <a:rPr lang="en" sz="1200" dirty="0" err="1"/>
+              <a:t>coords</a:t>
+            </a:r>
+            <a:r>
+              <a:rPr lang="en" sz="1200" dirty="0"/>
+              <a:t> = </a:t>
+            </a:r>
+            <a:r>
+              <a:rPr lang="en" sz="1200" dirty="0" err="1"/>
+              <a:t>vectorizer.get_feature_names</a:t>
+            </a:r>
+            <a:r>
+              <a:rPr lang="en" sz="1200" dirty="0"/>
+              <a:t>()</a:t>
             </a:r>
             <a:br>
-              <a:rPr lang="en" sz="1200"/>
+              <a:rPr lang="en" sz="1200" dirty="0"/>
             </a:br>
             <a:r>
-              <a:rPr lang="en" sz="1200"/>
-              <a:t>docterm = pandas.DataFrame(data=docarray,index=doc_names,columns=coords)</a:t>
+              <a:rPr lang="en" sz="1200" dirty="0" err="1"/>
+              <a:t>docterm</a:t>
+            </a:r>
+            <a:r>
+              <a:rPr lang="en" sz="1200" dirty="0"/>
+              <a:t> = </a:t>
+            </a:r>
+            <a:r>
+              <a:rPr lang="en" sz="1200" dirty="0" err="1"/>
+              <a:t>pandas.DataFrame</a:t>
+            </a:r>
+            <a:r>
+              <a:rPr lang="en" sz="1200" dirty="0"/>
+              <a:t>(data=</a:t>
+            </a:r>
+            <a:r>
+              <a:rPr lang="en" sz="1200" dirty="0" err="1"/>
+              <a:t>docarray,index</a:t>
+            </a:r>
+            <a:r>
+              <a:rPr lang="en" sz="1200" dirty="0"/>
+              <a:t>=</a:t>
+            </a:r>
+            <a:r>
+              <a:rPr lang="en" sz="1200" dirty="0" err="1"/>
+              <a:t>doc_names,columns</a:t>
+            </a:r>
+            <a:r>
+              <a:rPr lang="en" sz="1200" dirty="0"/>
+              <a:t>=</a:t>
+            </a:r>
+            <a:r>
+              <a:rPr lang="en" sz="1200" dirty="0" err="1"/>
+              <a:t>coords</a:t>
+            </a:r>
+            <a:r>
+              <a:rPr lang="en" sz="1200" dirty="0"/>
+              <a:t>)</a:t>
             </a:r>
             <a:br>
-              <a:rPr lang="en" sz="1200"/>
+              <a:rPr lang="en" sz="1200" dirty="0"/>
             </a:br>
             <a:r>
-              <a:rPr lang="en" sz="1200"/>
-              <a:t>print(coords)</a:t>
+              <a:rPr lang="en" sz="1200" dirty="0"/>
+              <a:t>print(</a:t>
+            </a:r>
+            <a:r>
+              <a:rPr lang="en" sz="1200" dirty="0" err="1"/>
+              <a:t>coords</a:t>
+            </a:r>
+            <a:r>
+              <a:rPr lang="en" sz="1200" dirty="0"/>
+              <a:t>)</a:t>
             </a:r>
             <a:br>
-              <a:rPr lang="en" sz="1200"/>
+              <a:rPr lang="en" sz="1200" dirty="0"/>
             </a:br>
             <a:r>
-              <a:rPr lang="en" sz="1200"/>
-              <a:t>print(docterm)</a:t>
+              <a:rPr lang="en" sz="1200" dirty="0"/>
+              <a:t>print(</a:t>
+            </a:r>
+            <a:r>
+              <a:rPr lang="en" sz="1200" dirty="0" err="1"/>
+              <a:t>docterm</a:t>
+            </a:r>
+            <a:r>
+              <a:rPr lang="en" sz="1200" dirty="0"/>
+              <a:t>)</a:t>
             </a:r>
             <a:br>
-              <a:rPr lang="en" sz="1200"/>
+              <a:rPr lang="en" sz="1200" dirty="0"/>
             </a:br>
             <a:r>
-              <a:rPr lang="en" sz="1200"/>
+              <a:rPr lang="en" sz="1200" dirty="0"/>
               <a:t/>
             </a:r>
             <a:br>
-              <a:rPr lang="en" sz="1200"/>
+              <a:rPr lang="en" sz="1200" dirty="0"/>
             </a:br>
             <a:r>
-              <a:rPr lang="en" sz="1200"/>
+              <a:rPr lang="en" sz="1200" dirty="0"/>
               <a:t># pairwise distances                                                                                                       </a:t>
             </a:r>
             <a:br>
-              <a:rPr lang="en" sz="1200"/>
+              <a:rPr lang="en" sz="1200" dirty="0"/>
             </a:br>
             <a:r>
-              <a:rPr lang="en" sz="1200"/>
+              <a:rPr lang="en" sz="1200" dirty="0"/>
               <a:t>distances = </a:t>
             </a:r>
             <a:r>
-              <a:rPr lang="en" sz="1200">
+              <a:rPr lang="en" sz="1200" dirty="0" err="1">
                 <a:solidFill>
                   <a:srgbClr val="FF0000"/>
                 </a:solidFill>
@@ -14965,27 +15853,71 @@
               <a:t>euclidean_distances</a:t>
             </a:r>
             <a:r>
-              <a:rPr lang="en" sz="1200"/>
-              <a:t>(docterm)</a:t>
+              <a:rPr lang="en" sz="1200" dirty="0"/>
+              <a:t>(</a:t>
+            </a:r>
+            <a:r>
+              <a:rPr lang="en" sz="1200" dirty="0" err="1"/>
+              <a:t>docterm</a:t>
+            </a:r>
+            <a:r>
+              <a:rPr lang="en" sz="1200" dirty="0"/>
+              <a:t>)</a:t>
             </a:r>
             <a:br>
-              <a:rPr lang="en" sz="1200"/>
+              <a:rPr lang="en" sz="1200" dirty="0"/>
             </a:br>
             <a:r>
-              <a:rPr lang="en" sz="1200"/>
-              <a:t>distances_df = pandas.DataFrame(data=distances, index=doc_names, columns=doc_names)</a:t>
+              <a:rPr lang="en" sz="1200" dirty="0" err="1"/>
+              <a:t>distances_df</a:t>
+            </a:r>
+            <a:r>
+              <a:rPr lang="en" sz="1200" dirty="0"/>
+              <a:t> = </a:t>
+            </a:r>
+            <a:r>
+              <a:rPr lang="en" sz="1200" dirty="0" err="1"/>
+              <a:t>pandas.DataFrame</a:t>
+            </a:r>
+            <a:r>
+              <a:rPr lang="en" sz="1200" dirty="0"/>
+              <a:t>(data=distances, index=</a:t>
+            </a:r>
+            <a:r>
+              <a:rPr lang="en" sz="1200" dirty="0" err="1"/>
+              <a:t>doc_names</a:t>
+            </a:r>
+            <a:r>
+              <a:rPr lang="en" sz="1200" dirty="0"/>
+              <a:t>, columns=</a:t>
+            </a:r>
+            <a:r>
+              <a:rPr lang="en" sz="1200" dirty="0" err="1"/>
+              <a:t>doc_names</a:t>
+            </a:r>
+            <a:r>
+              <a:rPr lang="en" sz="1200" dirty="0"/>
+              <a:t>)</a:t>
             </a:r>
             <a:br>
-              <a:rPr lang="en" sz="1200"/>
+              <a:rPr lang="en" sz="1200" dirty="0"/>
             </a:br>
             <a:r>
-              <a:rPr lang="en" sz="1200"/>
-              <a:t>print(distances_df)</a:t>
+              <a:rPr lang="en" sz="1200" dirty="0"/>
+              <a:t>print(</a:t>
+            </a:r>
+            <a:r>
+              <a:rPr lang="en" sz="1200" dirty="0" err="1"/>
+              <a:t>distances_df</a:t>
+            </a:r>
+            <a:r>
+              <a:rPr lang="en" sz="1200" dirty="0"/>
+              <a:t>)</a:t>
             </a:r>
             <a:br>
-              <a:rPr lang="en" sz="1200"/>
+              <a:rPr lang="en" sz="1200" dirty="0"/>
             </a:br>
-            <a:endParaRPr sz="1200"/>
+            <a:endParaRPr sz="1200" dirty="0"/>
           </a:p>
         </p:txBody>
       </p:sp>
